--- a/docs/deployment_guide/images/architecture_diagram.pptx
+++ b/docs/deployment_guide/images/architecture_diagram.pptx
@@ -5,10 +5,12 @@
     <p:sldMasterId id="2147483648" r:id="rId1"/>
   </p:sldMasterIdLst>
   <p:notesMasterIdLst>
-    <p:notesMasterId r:id="rId3"/>
+    <p:notesMasterId r:id="rId5"/>
   </p:notesMasterIdLst>
   <p:sldIdLst>
     <p:sldId id="412" r:id="rId2"/>
+    <p:sldId id="413" r:id="rId3"/>
+    <p:sldId id="414" r:id="rId4"/>
   </p:sldIdLst>
   <p:sldSz cx="12192000" cy="6858000"/>
   <p:notesSz cx="6858000" cy="9144000"/>
@@ -107,6 +109,11 @@
       </a:defRPr>
     </a:lvl9pPr>
   </p:defaultTextStyle>
+  <p:extLst>
+    <p:ext uri="{EFAFB233-063F-42B5-8137-9DF3F51BA10A}">
+      <p15:sldGuideLst xmlns:p15="http://schemas.microsoft.com/office/powerpoint/2012/main"/>
+    </p:ext>
+  </p:extLst>
 </p:presentation>
 </file>
 
@@ -192,7 +199,7 @@
           <a:p>
             <a:fld id="{4C46D760-B9AC-5047-B74E-AF773C829861}" type="datetimeFigureOut">
               <a:rPr lang="en-US" smtClean="0"/>
-              <a:t>12/13/22</a:t>
+              <a:t>12/14/22</a:t>
             </a:fld>
             <a:endParaRPr lang="en-US"/>
           </a:p>
@@ -694,7 +701,7 @@
           <a:p>
             <a:fld id="{1CFBC7D8-D0C8-C54C-ACCD-197CFC7688BE}" type="datetimeFigureOut">
               <a:rPr lang="en-US" smtClean="0"/>
-              <a:t>12/13/22</a:t>
+              <a:t>12/14/22</a:t>
             </a:fld>
             <a:endParaRPr lang="en-US"/>
           </a:p>
@@ -894,7 +901,7 @@
           <a:p>
             <a:fld id="{1CFBC7D8-D0C8-C54C-ACCD-197CFC7688BE}" type="datetimeFigureOut">
               <a:rPr lang="en-US" smtClean="0"/>
-              <a:t>12/13/22</a:t>
+              <a:t>12/14/22</a:t>
             </a:fld>
             <a:endParaRPr lang="en-US"/>
           </a:p>
@@ -1104,7 +1111,7 @@
           <a:p>
             <a:fld id="{1CFBC7D8-D0C8-C54C-ACCD-197CFC7688BE}" type="datetimeFigureOut">
               <a:rPr lang="en-US" smtClean="0"/>
-              <a:t>12/13/22</a:t>
+              <a:t>12/14/22</a:t>
             </a:fld>
             <a:endParaRPr lang="en-US"/>
           </a:p>
@@ -1475,7 +1482,7 @@
           <a:p>
             <a:fld id="{1CFBC7D8-D0C8-C54C-ACCD-197CFC7688BE}" type="datetimeFigureOut">
               <a:rPr lang="en-US" smtClean="0"/>
-              <a:t>12/13/22</a:t>
+              <a:t>12/14/22</a:t>
             </a:fld>
             <a:endParaRPr lang="en-US"/>
           </a:p>
@@ -1751,7 +1758,7 @@
           <a:p>
             <a:fld id="{1CFBC7D8-D0C8-C54C-ACCD-197CFC7688BE}" type="datetimeFigureOut">
               <a:rPr lang="en-US" smtClean="0"/>
-              <a:t>12/13/22</a:t>
+              <a:t>12/14/22</a:t>
             </a:fld>
             <a:endParaRPr lang="en-US"/>
           </a:p>
@@ -2019,7 +2026,7 @@
           <a:p>
             <a:fld id="{1CFBC7D8-D0C8-C54C-ACCD-197CFC7688BE}" type="datetimeFigureOut">
               <a:rPr lang="en-US" smtClean="0"/>
-              <a:t>12/13/22</a:t>
+              <a:t>12/14/22</a:t>
             </a:fld>
             <a:endParaRPr lang="en-US"/>
           </a:p>
@@ -2434,7 +2441,7 @@
           <a:p>
             <a:fld id="{1CFBC7D8-D0C8-C54C-ACCD-197CFC7688BE}" type="datetimeFigureOut">
               <a:rPr lang="en-US" smtClean="0"/>
-              <a:t>12/13/22</a:t>
+              <a:t>12/14/22</a:t>
             </a:fld>
             <a:endParaRPr lang="en-US"/>
           </a:p>
@@ -2576,7 +2583,7 @@
           <a:p>
             <a:fld id="{1CFBC7D8-D0C8-C54C-ACCD-197CFC7688BE}" type="datetimeFigureOut">
               <a:rPr lang="en-US" smtClean="0"/>
-              <a:t>12/13/22</a:t>
+              <a:t>12/14/22</a:t>
             </a:fld>
             <a:endParaRPr lang="en-US"/>
           </a:p>
@@ -2689,7 +2696,7 @@
           <a:p>
             <a:fld id="{1CFBC7D8-D0C8-C54C-ACCD-197CFC7688BE}" type="datetimeFigureOut">
               <a:rPr lang="en-US" smtClean="0"/>
-              <a:t>12/13/22</a:t>
+              <a:t>12/14/22</a:t>
             </a:fld>
             <a:endParaRPr lang="en-US"/>
           </a:p>
@@ -3002,7 +3009,7 @@
           <a:p>
             <a:fld id="{1CFBC7D8-D0C8-C54C-ACCD-197CFC7688BE}" type="datetimeFigureOut">
               <a:rPr lang="en-US" smtClean="0"/>
-              <a:t>12/13/22</a:t>
+              <a:t>12/14/22</a:t>
             </a:fld>
             <a:endParaRPr lang="en-US"/>
           </a:p>
@@ -3291,7 +3298,7 @@
           <a:p>
             <a:fld id="{1CFBC7D8-D0C8-C54C-ACCD-197CFC7688BE}" type="datetimeFigureOut">
               <a:rPr lang="en-US" smtClean="0"/>
-              <a:t>12/13/22</a:t>
+              <a:t>12/14/22</a:t>
             </a:fld>
             <a:endParaRPr lang="en-US"/>
           </a:p>
@@ -3534,7 +3541,7 @@
           <a:p>
             <a:fld id="{1CFBC7D8-D0C8-C54C-ACCD-197CFC7688BE}" type="datetimeFigureOut">
               <a:rPr lang="en-US" smtClean="0"/>
-              <a:t>12/13/22</a:t>
+              <a:t>12/14/22</a:t>
             </a:fld>
             <a:endParaRPr lang="en-US"/>
           </a:p>
@@ -4032,7 +4039,7 @@
         </p:blipFill>
         <p:spPr bwMode="auto">
           <a:xfrm>
-            <a:off x="2701969" y="719913"/>
+            <a:off x="2695832" y="719913"/>
             <a:ext cx="231510" cy="231510"/>
           </a:xfrm>
           <a:prstGeom prst="rect">
@@ -6556,9 +6563,6 @@
               <a:pPr algn="ctr"/>
               <a:r>
                 <a:rPr lang="en-US" sz="972" b="1" dirty="0">
-                  <a:solidFill>
-                    <a:schemeClr val="tx2"/>
-                  </a:solidFill>
                   <a:latin typeface="Amazon Ember" panose="02000000000000000000" pitchFamily="2" charset="0"/>
                   <a:ea typeface="Amazon Ember" panose="02000000000000000000" pitchFamily="2" charset="0"/>
                 </a:rPr>
@@ -9832,6 +9836,2499 @@
     <p:extLst>
       <p:ext uri="{BB962C8B-B14F-4D97-AF65-F5344CB8AC3E}">
         <p14:creationId xmlns:p14="http://schemas.microsoft.com/office/powerpoint/2010/main" val="3792193302"/>
+      </p:ext>
+    </p:extLst>
+  </p:cSld>
+  <p:clrMapOvr>
+    <a:masterClrMapping/>
+  </p:clrMapOvr>
+  <p:transition>
+    <p:fade/>
+  </p:transition>
+</p:sld>
+</file>
+
+<file path=ppt/slides/slide2.xml><?xml version="1.0" encoding="utf-8"?>
+<p:sld xmlns:a="http://schemas.openxmlformats.org/drawingml/2006/main" xmlns:r="http://schemas.openxmlformats.org/officeDocument/2006/relationships" xmlns:p="http://schemas.openxmlformats.org/presentationml/2006/main">
+  <p:cSld>
+    <p:spTree>
+      <p:nvGrpSpPr>
+        <p:cNvPr id="1" name=""/>
+        <p:cNvGrpSpPr/>
+        <p:nvPr/>
+      </p:nvGrpSpPr>
+      <p:grpSpPr>
+        <a:xfrm>
+          <a:off x="0" y="0"/>
+          <a:ext cx="0" cy="0"/>
+          <a:chOff x="0" y="0"/>
+          <a:chExt cx="0" cy="0"/>
+        </a:xfrm>
+      </p:grpSpPr>
+      <p:sp>
+        <p:nvSpPr>
+          <p:cNvPr id="4" name="Rectangle 3">
+            <a:extLst>
+              <a:ext uri="{FF2B5EF4-FFF2-40B4-BE49-F238E27FC236}">
+                <a16:creationId xmlns:a16="http://schemas.microsoft.com/office/drawing/2014/main" id="{8BB4224E-CCAD-13D2-8F7F-6C043D8444A7}"/>
+              </a:ext>
+            </a:extLst>
+          </p:cNvPr>
+          <p:cNvSpPr/>
+          <p:nvPr/>
+        </p:nvSpPr>
+        <p:spPr>
+          <a:xfrm>
+            <a:off x="240632" y="1443790"/>
+            <a:ext cx="616017" cy="3647975"/>
+          </a:xfrm>
+          <a:prstGeom prst="rect">
+            <a:avLst/>
+          </a:prstGeom>
+          <a:solidFill>
+            <a:schemeClr val="accent3">
+              <a:lumMod val="60000"/>
+              <a:lumOff val="40000"/>
+            </a:schemeClr>
+          </a:solidFill>
+          <a:ln>
+            <a:noFill/>
+          </a:ln>
+        </p:spPr>
+        <p:style>
+          <a:lnRef idx="2">
+            <a:schemeClr val="accent1">
+              <a:shade val="50000"/>
+            </a:schemeClr>
+          </a:lnRef>
+          <a:fillRef idx="1">
+            <a:schemeClr val="accent1"/>
+          </a:fillRef>
+          <a:effectRef idx="0">
+            <a:schemeClr val="accent1"/>
+          </a:effectRef>
+          <a:fontRef idx="minor">
+            <a:schemeClr val="lt1"/>
+          </a:fontRef>
+        </p:style>
+        <p:txBody>
+          <a:bodyPr vert="vert270" rtlCol="0" anchor="ctr"/>
+          <a:lstStyle/>
+          <a:p>
+            <a:pPr algn="ctr"/>
+            <a:r>
+              <a:rPr lang="en-US" dirty="0"/>
+              <a:t>Meter Data Generator</a:t>
+            </a:r>
+          </a:p>
+        </p:txBody>
+      </p:sp>
+      <p:sp>
+        <p:nvSpPr>
+          <p:cNvPr id="5" name="Rectangle 4">
+            <a:extLst>
+              <a:ext uri="{FF2B5EF4-FFF2-40B4-BE49-F238E27FC236}">
+                <a16:creationId xmlns:a16="http://schemas.microsoft.com/office/drawing/2014/main" id="{5E0525B2-10C6-5452-4354-97BEDC3444B3}"/>
+              </a:ext>
+            </a:extLst>
+          </p:cNvPr>
+          <p:cNvSpPr/>
+          <p:nvPr/>
+        </p:nvSpPr>
+        <p:spPr>
+          <a:xfrm>
+            <a:off x="1018674" y="1443790"/>
+            <a:ext cx="616017" cy="3647975"/>
+          </a:xfrm>
+          <a:prstGeom prst="rect">
+            <a:avLst/>
+          </a:prstGeom>
+          <a:solidFill>
+            <a:schemeClr val="accent3">
+              <a:lumMod val="40000"/>
+              <a:lumOff val="60000"/>
+            </a:schemeClr>
+          </a:solidFill>
+          <a:ln>
+            <a:noFill/>
+          </a:ln>
+        </p:spPr>
+        <p:style>
+          <a:lnRef idx="2">
+            <a:schemeClr val="accent1">
+              <a:shade val="50000"/>
+            </a:schemeClr>
+          </a:lnRef>
+          <a:fillRef idx="1">
+            <a:schemeClr val="accent1"/>
+          </a:fillRef>
+          <a:effectRef idx="0">
+            <a:schemeClr val="accent1"/>
+          </a:effectRef>
+          <a:fontRef idx="minor">
+            <a:schemeClr val="lt1"/>
+          </a:fontRef>
+        </p:style>
+        <p:txBody>
+          <a:bodyPr vert="vert270" rtlCol="0" anchor="ctr"/>
+          <a:lstStyle/>
+          <a:p>
+            <a:pPr algn="ctr"/>
+            <a:r>
+              <a:rPr lang="en-US" dirty="0"/>
+              <a:t>HES Simulator</a:t>
+            </a:r>
+          </a:p>
+        </p:txBody>
+      </p:sp>
+      <p:sp>
+        <p:nvSpPr>
+          <p:cNvPr id="6" name="Rectangle 5">
+            <a:extLst>
+              <a:ext uri="{FF2B5EF4-FFF2-40B4-BE49-F238E27FC236}">
+                <a16:creationId xmlns:a16="http://schemas.microsoft.com/office/drawing/2014/main" id="{D99FD23D-F4DB-32B9-176B-57D5DF7D7F43}"/>
+              </a:ext>
+            </a:extLst>
+          </p:cNvPr>
+          <p:cNvSpPr/>
+          <p:nvPr/>
+        </p:nvSpPr>
+        <p:spPr>
+          <a:xfrm>
+            <a:off x="2836784" y="817424"/>
+            <a:ext cx="9157508" cy="5181600"/>
+          </a:xfrm>
+          <a:prstGeom prst="rect">
+            <a:avLst/>
+          </a:prstGeom>
+          <a:noFill/>
+          <a:ln>
+            <a:solidFill>
+              <a:schemeClr val="tx1"/>
+            </a:solidFill>
+          </a:ln>
+        </p:spPr>
+        <p:style>
+          <a:lnRef idx="2">
+            <a:schemeClr val="accent1">
+              <a:shade val="50000"/>
+            </a:schemeClr>
+          </a:lnRef>
+          <a:fillRef idx="1">
+            <a:schemeClr val="accent1"/>
+          </a:fillRef>
+          <a:effectRef idx="0">
+            <a:schemeClr val="accent1"/>
+          </a:effectRef>
+          <a:fontRef idx="minor">
+            <a:schemeClr val="lt1"/>
+          </a:fontRef>
+        </p:style>
+        <p:txBody>
+          <a:bodyPr rtlCol="0" anchor="t" anchorCtr="0"/>
+          <a:lstStyle/>
+          <a:p>
+            <a:endParaRPr lang="en-US" sz="1100" dirty="0"/>
+          </a:p>
+        </p:txBody>
+      </p:sp>
+      <p:pic>
+        <p:nvPicPr>
+          <p:cNvPr id="7" name="Graphic 11">
+            <a:extLst>
+              <a:ext uri="{FF2B5EF4-FFF2-40B4-BE49-F238E27FC236}">
+                <a16:creationId xmlns:a16="http://schemas.microsoft.com/office/drawing/2014/main" id="{BFCF0FEB-3065-B05C-8E8D-B50D5CBAA7AF}"/>
+              </a:ext>
+            </a:extLst>
+          </p:cNvPr>
+          <p:cNvPicPr>
+            <a:picLocks noChangeAspect="1"/>
+          </p:cNvPicPr>
+          <p:nvPr/>
+        </p:nvPicPr>
+        <p:blipFill>
+          <a:blip r:embed="rId2"/>
+          <a:stretch>
+            <a:fillRect/>
+          </a:stretch>
+        </p:blipFill>
+        <p:spPr bwMode="auto">
+          <a:xfrm>
+            <a:off x="2838885" y="819564"/>
+            <a:ext cx="277812" cy="277812"/>
+          </a:xfrm>
+          <a:prstGeom prst="rect">
+            <a:avLst/>
+          </a:prstGeom>
+        </p:spPr>
+      </p:pic>
+      <p:sp>
+        <p:nvSpPr>
+          <p:cNvPr id="9" name="Rectangle 8">
+            <a:extLst>
+              <a:ext uri="{FF2B5EF4-FFF2-40B4-BE49-F238E27FC236}">
+                <a16:creationId xmlns:a16="http://schemas.microsoft.com/office/drawing/2014/main" id="{D7D9C511-9B2D-5846-1B65-01A4934D88E7}"/>
+              </a:ext>
+            </a:extLst>
+          </p:cNvPr>
+          <p:cNvSpPr/>
+          <p:nvPr/>
+        </p:nvSpPr>
+        <p:spPr>
+          <a:xfrm>
+            <a:off x="3495725" y="1029903"/>
+            <a:ext cx="1764665" cy="4726004"/>
+          </a:xfrm>
+          <a:prstGeom prst="rect">
+            <a:avLst/>
+          </a:prstGeom>
+          <a:noFill/>
+          <a:ln w="12700">
+            <a:solidFill>
+              <a:srgbClr val="FF4F8B"/>
+            </a:solidFill>
+          </a:ln>
+        </p:spPr>
+        <p:style>
+          <a:lnRef idx="2">
+            <a:schemeClr val="accent1">
+              <a:shade val="50000"/>
+            </a:schemeClr>
+          </a:lnRef>
+          <a:fillRef idx="1">
+            <a:schemeClr val="accent1"/>
+          </a:fillRef>
+          <a:effectRef idx="0">
+            <a:schemeClr val="accent1"/>
+          </a:effectRef>
+          <a:fontRef idx="minor">
+            <a:schemeClr val="lt1"/>
+          </a:fontRef>
+        </p:style>
+        <p:txBody>
+          <a:bodyPr lIns="502920" tIns="91440"/>
+          <a:lstStyle/>
+          <a:p>
+            <a:pPr eaLnBrk="1" fontAlgn="auto" hangingPunct="1">
+              <a:spcBef>
+                <a:spcPts val="0"/>
+              </a:spcBef>
+              <a:spcAft>
+                <a:spcPts val="0"/>
+              </a:spcAft>
+              <a:defRPr/>
+            </a:pPr>
+            <a:r>
+              <a:rPr lang="en-US" sz="1200" dirty="0">
+                <a:solidFill>
+                  <a:srgbClr val="FF4F8B"/>
+                </a:solidFill>
+                <a:latin typeface="Arial" panose="020B0604020202020204" pitchFamily="34" charset="0"/>
+                <a:cs typeface="Arial" panose="020B0604020202020204" pitchFamily="34" charset="0"/>
+              </a:rPr>
+              <a:t>AWS Step Functions workflow</a:t>
+            </a:r>
+          </a:p>
+        </p:txBody>
+      </p:sp>
+      <p:pic>
+        <p:nvPicPr>
+          <p:cNvPr id="10" name="Graphic 9">
+            <a:extLst>
+              <a:ext uri="{FF2B5EF4-FFF2-40B4-BE49-F238E27FC236}">
+                <a16:creationId xmlns:a16="http://schemas.microsoft.com/office/drawing/2014/main" id="{A9539165-EF7F-BCAC-5B28-20C13399B81F}"/>
+              </a:ext>
+            </a:extLst>
+          </p:cNvPr>
+          <p:cNvPicPr>
+            <a:picLocks noChangeAspect="1"/>
+          </p:cNvPicPr>
+          <p:nvPr/>
+        </p:nvPicPr>
+        <p:blipFill>
+          <a:blip r:embed="rId3">
+            <a:extLst>
+              <a:ext uri="{96DAC541-7B7A-43D3-8B79-37D633B846F1}">
+                <asvg:svgBlip xmlns:asvg="http://schemas.microsoft.com/office/drawing/2016/SVG/main" r:embed="rId4"/>
+              </a:ext>
+            </a:extLst>
+          </a:blip>
+          <a:stretch>
+            <a:fillRect/>
+          </a:stretch>
+        </p:blipFill>
+        <p:spPr>
+          <a:xfrm>
+            <a:off x="3495725" y="1029903"/>
+            <a:ext cx="381000" cy="381000"/>
+          </a:xfrm>
+          <a:prstGeom prst="rect">
+            <a:avLst/>
+          </a:prstGeom>
+        </p:spPr>
+      </p:pic>
+      <p:pic>
+        <p:nvPicPr>
+          <p:cNvPr id="11" name="Graphic 10">
+            <a:extLst>
+              <a:ext uri="{FF2B5EF4-FFF2-40B4-BE49-F238E27FC236}">
+                <a16:creationId xmlns:a16="http://schemas.microsoft.com/office/drawing/2014/main" id="{00333855-0452-A6E5-4C13-35559F891DA0}"/>
+              </a:ext>
+            </a:extLst>
+          </p:cNvPr>
+          <p:cNvPicPr>
+            <a:picLocks noChangeAspect="1" noChangeArrowheads="1"/>
+          </p:cNvPicPr>
+          <p:nvPr/>
+        </p:nvPicPr>
+        <p:blipFill>
+          <a:blip r:embed="rId5">
+            <a:extLst>
+              <a:ext uri="{96DAC541-7B7A-43D3-8B79-37D633B846F1}">
+                <asvg:svgBlip xmlns:asvg="http://schemas.microsoft.com/office/drawing/2016/SVG/main" r:embed="rId6"/>
+              </a:ext>
+            </a:extLst>
+          </a:blip>
+          <a:srcRect/>
+          <a:stretch/>
+        </p:blipFill>
+        <p:spPr bwMode="auto">
+          <a:xfrm>
+            <a:off x="4112243" y="1788642"/>
+            <a:ext cx="432000" cy="432000"/>
+          </a:xfrm>
+          <a:prstGeom prst="rect">
+            <a:avLst/>
+          </a:prstGeom>
+          <a:noFill/>
+          <a:ln>
+            <a:noFill/>
+          </a:ln>
+          <a:extLst>
+            <a:ext uri="{909E8E84-426E-40DD-AFC4-6F175D3DCCD1}">
+              <a14:hiddenFill xmlns:a14="http://schemas.microsoft.com/office/drawing/2010/main">
+                <a:solidFill>
+                  <a:srgbClr val="FFFFFF"/>
+                </a:solidFill>
+              </a14:hiddenFill>
+            </a:ext>
+            <a:ext uri="{91240B29-F687-4F45-9708-019B960494DF}">
+              <a14:hiddenLine xmlns:a14="http://schemas.microsoft.com/office/drawing/2010/main" w="9525">
+                <a:solidFill>
+                  <a:srgbClr val="000000"/>
+                </a:solidFill>
+                <a:miter lim="800000"/>
+                <a:headEnd/>
+                <a:tailEnd/>
+              </a14:hiddenLine>
+            </a:ext>
+          </a:extLst>
+        </p:spPr>
+      </p:pic>
+      <p:pic>
+        <p:nvPicPr>
+          <p:cNvPr id="12" name="Graphic 11">
+            <a:extLst>
+              <a:ext uri="{FF2B5EF4-FFF2-40B4-BE49-F238E27FC236}">
+                <a16:creationId xmlns:a16="http://schemas.microsoft.com/office/drawing/2014/main" id="{D6060E28-5D9A-64A8-CE55-A208DEA8B909}"/>
+              </a:ext>
+            </a:extLst>
+          </p:cNvPr>
+          <p:cNvPicPr>
+            <a:picLocks noChangeAspect="1" noChangeArrowheads="1"/>
+          </p:cNvPicPr>
+          <p:nvPr/>
+        </p:nvPicPr>
+        <p:blipFill>
+          <a:blip r:embed="rId5">
+            <a:extLst>
+              <a:ext uri="{96DAC541-7B7A-43D3-8B79-37D633B846F1}">
+                <asvg:svgBlip xmlns:asvg="http://schemas.microsoft.com/office/drawing/2016/SVG/main" r:embed="rId6"/>
+              </a:ext>
+            </a:extLst>
+          </a:blip>
+          <a:srcRect/>
+          <a:stretch/>
+        </p:blipFill>
+        <p:spPr bwMode="auto">
+          <a:xfrm>
+            <a:off x="4123767" y="2821746"/>
+            <a:ext cx="432000" cy="432000"/>
+          </a:xfrm>
+          <a:prstGeom prst="rect">
+            <a:avLst/>
+          </a:prstGeom>
+          <a:noFill/>
+          <a:ln>
+            <a:noFill/>
+          </a:ln>
+          <a:extLst>
+            <a:ext uri="{909E8E84-426E-40DD-AFC4-6F175D3DCCD1}">
+              <a14:hiddenFill xmlns:a14="http://schemas.microsoft.com/office/drawing/2010/main">
+                <a:solidFill>
+                  <a:srgbClr val="FFFFFF"/>
+                </a:solidFill>
+              </a14:hiddenFill>
+            </a:ext>
+            <a:ext uri="{91240B29-F687-4F45-9708-019B960494DF}">
+              <a14:hiddenLine xmlns:a14="http://schemas.microsoft.com/office/drawing/2010/main" w="9525">
+                <a:solidFill>
+                  <a:srgbClr val="000000"/>
+                </a:solidFill>
+                <a:miter lim="800000"/>
+                <a:headEnd/>
+                <a:tailEnd/>
+              </a14:hiddenLine>
+            </a:ext>
+          </a:extLst>
+        </p:spPr>
+      </p:pic>
+      <p:pic>
+        <p:nvPicPr>
+          <p:cNvPr id="13" name="Graphic 12">
+            <a:extLst>
+              <a:ext uri="{FF2B5EF4-FFF2-40B4-BE49-F238E27FC236}">
+                <a16:creationId xmlns:a16="http://schemas.microsoft.com/office/drawing/2014/main" id="{13AC755B-F4EB-5BC5-9903-4E4A2852F1E5}"/>
+              </a:ext>
+            </a:extLst>
+          </p:cNvPr>
+          <p:cNvPicPr>
+            <a:picLocks noChangeAspect="1" noChangeArrowheads="1"/>
+          </p:cNvPicPr>
+          <p:nvPr/>
+        </p:nvPicPr>
+        <p:blipFill>
+          <a:blip r:embed="rId5">
+            <a:extLst>
+              <a:ext uri="{96DAC541-7B7A-43D3-8B79-37D633B846F1}">
+                <asvg:svgBlip xmlns:asvg="http://schemas.microsoft.com/office/drawing/2016/SVG/main" r:embed="rId6"/>
+              </a:ext>
+            </a:extLst>
+          </a:blip>
+          <a:srcRect/>
+          <a:stretch/>
+        </p:blipFill>
+        <p:spPr bwMode="auto">
+          <a:xfrm>
+            <a:off x="4112243" y="3862408"/>
+            <a:ext cx="432000" cy="432000"/>
+          </a:xfrm>
+          <a:prstGeom prst="rect">
+            <a:avLst/>
+          </a:prstGeom>
+          <a:noFill/>
+          <a:ln>
+            <a:noFill/>
+          </a:ln>
+          <a:extLst>
+            <a:ext uri="{909E8E84-426E-40DD-AFC4-6F175D3DCCD1}">
+              <a14:hiddenFill xmlns:a14="http://schemas.microsoft.com/office/drawing/2010/main">
+                <a:solidFill>
+                  <a:srgbClr val="FFFFFF"/>
+                </a:solidFill>
+              </a14:hiddenFill>
+            </a:ext>
+            <a:ext uri="{91240B29-F687-4F45-9708-019B960494DF}">
+              <a14:hiddenLine xmlns:a14="http://schemas.microsoft.com/office/drawing/2010/main" w="9525">
+                <a:solidFill>
+                  <a:srgbClr val="000000"/>
+                </a:solidFill>
+                <a:miter lim="800000"/>
+                <a:headEnd/>
+                <a:tailEnd/>
+              </a14:hiddenLine>
+            </a:ext>
+          </a:extLst>
+        </p:spPr>
+      </p:pic>
+      <p:pic>
+        <p:nvPicPr>
+          <p:cNvPr id="14" name="Graphic 13">
+            <a:extLst>
+              <a:ext uri="{FF2B5EF4-FFF2-40B4-BE49-F238E27FC236}">
+                <a16:creationId xmlns:a16="http://schemas.microsoft.com/office/drawing/2014/main" id="{045037A5-F7F1-42F5-8CBD-559202E757FA}"/>
+              </a:ext>
+            </a:extLst>
+          </p:cNvPr>
+          <p:cNvPicPr>
+            <a:picLocks noChangeAspect="1" noChangeArrowheads="1"/>
+          </p:cNvPicPr>
+          <p:nvPr/>
+        </p:nvPicPr>
+        <p:blipFill>
+          <a:blip r:embed="rId5">
+            <a:extLst>
+              <a:ext uri="{96DAC541-7B7A-43D3-8B79-37D633B846F1}">
+                <asvg:svgBlip xmlns:asvg="http://schemas.microsoft.com/office/drawing/2016/SVG/main" r:embed="rId6"/>
+              </a:ext>
+            </a:extLst>
+          </a:blip>
+          <a:srcRect/>
+          <a:stretch/>
+        </p:blipFill>
+        <p:spPr bwMode="auto">
+          <a:xfrm>
+            <a:off x="4123767" y="4829589"/>
+            <a:ext cx="432000" cy="432000"/>
+          </a:xfrm>
+          <a:prstGeom prst="rect">
+            <a:avLst/>
+          </a:prstGeom>
+          <a:noFill/>
+          <a:ln>
+            <a:noFill/>
+          </a:ln>
+          <a:extLst>
+            <a:ext uri="{909E8E84-426E-40DD-AFC4-6F175D3DCCD1}">
+              <a14:hiddenFill xmlns:a14="http://schemas.microsoft.com/office/drawing/2010/main">
+                <a:solidFill>
+                  <a:srgbClr val="FFFFFF"/>
+                </a:solidFill>
+              </a14:hiddenFill>
+            </a:ext>
+            <a:ext uri="{91240B29-F687-4F45-9708-019B960494DF}">
+              <a14:hiddenLine xmlns:a14="http://schemas.microsoft.com/office/drawing/2010/main" w="9525">
+                <a:solidFill>
+                  <a:srgbClr val="000000"/>
+                </a:solidFill>
+                <a:miter lim="800000"/>
+                <a:headEnd/>
+                <a:tailEnd/>
+              </a14:hiddenLine>
+            </a:ext>
+          </a:extLst>
+        </p:spPr>
+      </p:pic>
+      <p:sp>
+        <p:nvSpPr>
+          <p:cNvPr id="15" name="TextBox 14">
+            <a:extLst>
+              <a:ext uri="{FF2B5EF4-FFF2-40B4-BE49-F238E27FC236}">
+                <a16:creationId xmlns:a16="http://schemas.microsoft.com/office/drawing/2014/main" id="{4C9F6DAE-F6B5-F600-0989-A83D5949E44D}"/>
+              </a:ext>
+            </a:extLst>
+          </p:cNvPr>
+          <p:cNvSpPr txBox="1"/>
+          <p:nvPr/>
+        </p:nvSpPr>
+        <p:spPr>
+          <a:xfrm>
+            <a:off x="3755828" y="2205636"/>
+            <a:ext cx="1144829" cy="400110"/>
+          </a:xfrm>
+          <a:prstGeom prst="rect">
+            <a:avLst/>
+          </a:prstGeom>
+          <a:noFill/>
+        </p:spPr>
+        <p:txBody>
+          <a:bodyPr wrap="square" rtlCol="0">
+            <a:spAutoFit/>
+          </a:bodyPr>
+          <a:lstStyle/>
+          <a:p>
+            <a:pPr algn="ctr"/>
+            <a:r>
+              <a:rPr lang="en-US" sz="1000" dirty="0"/>
+              <a:t>Trigger File Generation</a:t>
+            </a:r>
+          </a:p>
+        </p:txBody>
+      </p:sp>
+      <p:sp>
+        <p:nvSpPr>
+          <p:cNvPr id="16" name="TextBox 15">
+            <a:extLst>
+              <a:ext uri="{FF2B5EF4-FFF2-40B4-BE49-F238E27FC236}">
+                <a16:creationId xmlns:a16="http://schemas.microsoft.com/office/drawing/2014/main" id="{CECC0F68-9C65-1A02-8FE7-80FD6B8D54D7}"/>
+              </a:ext>
+            </a:extLst>
+          </p:cNvPr>
+          <p:cNvSpPr txBox="1"/>
+          <p:nvPr/>
+        </p:nvSpPr>
+        <p:spPr>
+          <a:xfrm>
+            <a:off x="3721153" y="3253746"/>
+            <a:ext cx="1217056" cy="400110"/>
+          </a:xfrm>
+          <a:prstGeom prst="rect">
+            <a:avLst/>
+          </a:prstGeom>
+          <a:noFill/>
+        </p:spPr>
+        <p:txBody>
+          <a:bodyPr wrap="square" rtlCol="0">
+            <a:spAutoFit/>
+          </a:bodyPr>
+          <a:lstStyle/>
+          <a:p>
+            <a:pPr algn="ctr"/>
+            <a:r>
+              <a:rPr lang="en-US" sz="1000" dirty="0"/>
+              <a:t>Check file generation status</a:t>
+            </a:r>
+          </a:p>
+        </p:txBody>
+      </p:sp>
+      <p:sp>
+        <p:nvSpPr>
+          <p:cNvPr id="17" name="TextBox 16">
+            <a:extLst>
+              <a:ext uri="{FF2B5EF4-FFF2-40B4-BE49-F238E27FC236}">
+                <a16:creationId xmlns:a16="http://schemas.microsoft.com/office/drawing/2014/main" id="{9359BD97-3849-8544-1827-8B642A8A84FA}"/>
+              </a:ext>
+            </a:extLst>
+          </p:cNvPr>
+          <p:cNvSpPr txBox="1"/>
+          <p:nvPr/>
+        </p:nvSpPr>
+        <p:spPr>
+          <a:xfrm>
+            <a:off x="3731239" y="4264397"/>
+            <a:ext cx="1217056" cy="400110"/>
+          </a:xfrm>
+          <a:prstGeom prst="rect">
+            <a:avLst/>
+          </a:prstGeom>
+          <a:noFill/>
+        </p:spPr>
+        <p:txBody>
+          <a:bodyPr wrap="square" rtlCol="0">
+            <a:spAutoFit/>
+          </a:bodyPr>
+          <a:lstStyle/>
+          <a:p>
+            <a:pPr algn="ctr"/>
+            <a:r>
+              <a:rPr lang="en-US" sz="1000" dirty="0"/>
+              <a:t>Download generated file</a:t>
+            </a:r>
+          </a:p>
+        </p:txBody>
+      </p:sp>
+      <p:sp>
+        <p:nvSpPr>
+          <p:cNvPr id="18" name="TextBox 17">
+            <a:extLst>
+              <a:ext uri="{FF2B5EF4-FFF2-40B4-BE49-F238E27FC236}">
+                <a16:creationId xmlns:a16="http://schemas.microsoft.com/office/drawing/2014/main" id="{54B5D144-A8D8-8622-8D0E-3A6D4CE003DD}"/>
+              </a:ext>
+            </a:extLst>
+          </p:cNvPr>
+          <p:cNvSpPr txBox="1"/>
+          <p:nvPr/>
+        </p:nvSpPr>
+        <p:spPr>
+          <a:xfrm>
+            <a:off x="3686225" y="5238551"/>
+            <a:ext cx="1217056" cy="246221"/>
+          </a:xfrm>
+          <a:prstGeom prst="rect">
+            <a:avLst/>
+          </a:prstGeom>
+          <a:noFill/>
+        </p:spPr>
+        <p:txBody>
+          <a:bodyPr wrap="square" rtlCol="0">
+            <a:spAutoFit/>
+          </a:bodyPr>
+          <a:lstStyle/>
+          <a:p>
+            <a:pPr algn="ctr"/>
+            <a:r>
+              <a:rPr lang="en-US" sz="1000" dirty="0"/>
+              <a:t>Extract file</a:t>
+            </a:r>
+          </a:p>
+        </p:txBody>
+      </p:sp>
+      <p:cxnSp>
+        <p:nvCxnSpPr>
+          <p:cNvPr id="19" name="Straight Arrow Connector 18">
+            <a:extLst>
+              <a:ext uri="{FF2B5EF4-FFF2-40B4-BE49-F238E27FC236}">
+                <a16:creationId xmlns:a16="http://schemas.microsoft.com/office/drawing/2014/main" id="{C6A81EC0-D65D-35EB-67B2-64F4CC6E2737}"/>
+              </a:ext>
+            </a:extLst>
+          </p:cNvPr>
+          <p:cNvCxnSpPr>
+            <a:stCxn id="11" idx="1"/>
+          </p:cNvCxnSpPr>
+          <p:nvPr/>
+        </p:nvCxnSpPr>
+        <p:spPr>
+          <a:xfrm flipH="1">
+            <a:off x="1634691" y="2004642"/>
+            <a:ext cx="2477552" cy="0"/>
+          </a:xfrm>
+          <a:prstGeom prst="straightConnector1">
+            <a:avLst/>
+          </a:prstGeom>
+          <a:ln w="19050" cap="rnd">
+            <a:solidFill>
+              <a:schemeClr val="tx1"/>
+            </a:solidFill>
+            <a:miter lim="800000"/>
+            <a:headEnd w="lg" len="lg"/>
+            <a:tailEnd type="triangle"/>
+          </a:ln>
+        </p:spPr>
+        <p:style>
+          <a:lnRef idx="1">
+            <a:schemeClr val="accent1"/>
+          </a:lnRef>
+          <a:fillRef idx="0">
+            <a:schemeClr val="accent1"/>
+          </a:fillRef>
+          <a:effectRef idx="0">
+            <a:schemeClr val="accent1"/>
+          </a:effectRef>
+          <a:fontRef idx="minor">
+            <a:schemeClr val="tx1"/>
+          </a:fontRef>
+        </p:style>
+      </p:cxnSp>
+      <p:cxnSp>
+        <p:nvCxnSpPr>
+          <p:cNvPr id="20" name="Elbow Connector 19">
+            <a:extLst>
+              <a:ext uri="{FF2B5EF4-FFF2-40B4-BE49-F238E27FC236}">
+                <a16:creationId xmlns:a16="http://schemas.microsoft.com/office/drawing/2014/main" id="{7C69BA80-64F2-DEFD-CE6C-47ED771EEE0A}"/>
+              </a:ext>
+            </a:extLst>
+          </p:cNvPr>
+          <p:cNvCxnSpPr>
+            <a:cxnSpLocks/>
+            <a:stCxn id="13" idx="1"/>
+          </p:cNvCxnSpPr>
+          <p:nvPr/>
+        </p:nvCxnSpPr>
+        <p:spPr>
+          <a:xfrm rot="10800000">
+            <a:off x="1634691" y="2521820"/>
+            <a:ext cx="2477552" cy="1556589"/>
+          </a:xfrm>
+          <a:prstGeom prst="bentConnector3">
+            <a:avLst>
+              <a:gd name="adj1" fmla="val 38345"/>
+            </a:avLst>
+          </a:prstGeom>
+          <a:ln w="19050" cap="rnd">
+            <a:solidFill>
+              <a:schemeClr val="tx1"/>
+            </a:solidFill>
+            <a:miter lim="800000"/>
+            <a:headEnd w="lg" len="lg"/>
+            <a:tailEnd type="triangle"/>
+          </a:ln>
+        </p:spPr>
+        <p:style>
+          <a:lnRef idx="1">
+            <a:schemeClr val="accent1"/>
+          </a:lnRef>
+          <a:fillRef idx="0">
+            <a:schemeClr val="accent1"/>
+          </a:fillRef>
+          <a:effectRef idx="0">
+            <a:schemeClr val="accent1"/>
+          </a:effectRef>
+          <a:fontRef idx="minor">
+            <a:schemeClr val="tx1"/>
+          </a:fontRef>
+        </p:style>
+      </p:cxnSp>
+      <p:pic>
+        <p:nvPicPr>
+          <p:cNvPr id="21" name="Graphic 71">
+            <a:extLst>
+              <a:ext uri="{FF2B5EF4-FFF2-40B4-BE49-F238E27FC236}">
+                <a16:creationId xmlns:a16="http://schemas.microsoft.com/office/drawing/2014/main" id="{33A30A31-12A4-E694-E76E-9170FEEB0887}"/>
+              </a:ext>
+            </a:extLst>
+          </p:cNvPr>
+          <p:cNvPicPr>
+            <a:picLocks noChangeAspect="1"/>
+          </p:cNvPicPr>
+          <p:nvPr/>
+        </p:nvPicPr>
+        <p:blipFill>
+          <a:blip r:embed="rId7"/>
+          <a:stretch>
+            <a:fillRect/>
+          </a:stretch>
+        </p:blipFill>
+        <p:spPr>
+          <a:xfrm>
+            <a:off x="6140762" y="2780012"/>
+            <a:ext cx="612000" cy="612000"/>
+          </a:xfrm>
+          <a:prstGeom prst="rect">
+            <a:avLst/>
+          </a:prstGeom>
+        </p:spPr>
+      </p:pic>
+      <p:sp>
+        <p:nvSpPr>
+          <p:cNvPr id="22" name="TextBox 21">
+            <a:extLst>
+              <a:ext uri="{FF2B5EF4-FFF2-40B4-BE49-F238E27FC236}">
+                <a16:creationId xmlns:a16="http://schemas.microsoft.com/office/drawing/2014/main" id="{47E9EE4D-981C-8AE6-C45E-F8C6B7F5A462}"/>
+              </a:ext>
+            </a:extLst>
+          </p:cNvPr>
+          <p:cNvSpPr txBox="1"/>
+          <p:nvPr/>
+        </p:nvSpPr>
+        <p:spPr>
+          <a:xfrm>
+            <a:off x="5853955" y="3429000"/>
+            <a:ext cx="1217056" cy="246221"/>
+          </a:xfrm>
+          <a:prstGeom prst="rect">
+            <a:avLst/>
+          </a:prstGeom>
+          <a:noFill/>
+        </p:spPr>
+        <p:txBody>
+          <a:bodyPr wrap="square" rtlCol="0">
+            <a:spAutoFit/>
+          </a:bodyPr>
+          <a:lstStyle/>
+          <a:p>
+            <a:pPr algn="ctr"/>
+            <a:r>
+              <a:rPr lang="en-US" sz="1000" dirty="0"/>
+              <a:t>Amazon S3</a:t>
+            </a:r>
+          </a:p>
+        </p:txBody>
+      </p:sp>
+      <p:pic>
+        <p:nvPicPr>
+          <p:cNvPr id="23" name="Graphic 63">
+            <a:extLst>
+              <a:ext uri="{FF2B5EF4-FFF2-40B4-BE49-F238E27FC236}">
+                <a16:creationId xmlns:a16="http://schemas.microsoft.com/office/drawing/2014/main" id="{91707CCC-4609-275C-0A3D-15D351B9B1FD}"/>
+              </a:ext>
+            </a:extLst>
+          </p:cNvPr>
+          <p:cNvPicPr>
+            <a:picLocks noChangeAspect="1" noChangeArrowheads="1"/>
+          </p:cNvPicPr>
+          <p:nvPr/>
+        </p:nvPicPr>
+        <p:blipFill>
+          <a:blip r:embed="rId8">
+            <a:extLst>
+              <a:ext uri="{96DAC541-7B7A-43D3-8B79-37D633B846F1}">
+                <asvg:svgBlip xmlns:asvg="http://schemas.microsoft.com/office/drawing/2016/SVG/main" r:embed="rId9"/>
+              </a:ext>
+            </a:extLst>
+          </a:blip>
+          <a:srcRect/>
+          <a:stretch/>
+        </p:blipFill>
+        <p:spPr bwMode="auto">
+          <a:xfrm>
+            <a:off x="6233883" y="4829589"/>
+            <a:ext cx="457200" cy="457200"/>
+          </a:xfrm>
+          <a:prstGeom prst="rect">
+            <a:avLst/>
+          </a:prstGeom>
+          <a:noFill/>
+          <a:ln>
+            <a:noFill/>
+          </a:ln>
+          <a:extLst>
+            <a:ext uri="{909E8E84-426E-40DD-AFC4-6F175D3DCCD1}">
+              <a14:hiddenFill xmlns:a14="http://schemas.microsoft.com/office/drawing/2010/main">
+                <a:solidFill>
+                  <a:srgbClr val="FFFFFF"/>
+                </a:solidFill>
+              </a14:hiddenFill>
+            </a:ext>
+            <a:ext uri="{91240B29-F687-4F45-9708-019B960494DF}">
+              <a14:hiddenLine xmlns:a14="http://schemas.microsoft.com/office/drawing/2010/main" w="9525">
+                <a:solidFill>
+                  <a:srgbClr val="000000"/>
+                </a:solidFill>
+                <a:miter lim="800000"/>
+                <a:headEnd/>
+                <a:tailEnd/>
+              </a14:hiddenLine>
+            </a:ext>
+          </a:extLst>
+        </p:spPr>
+      </p:pic>
+      <p:pic>
+        <p:nvPicPr>
+          <p:cNvPr id="24" name="Graphic 63">
+            <a:extLst>
+              <a:ext uri="{FF2B5EF4-FFF2-40B4-BE49-F238E27FC236}">
+                <a16:creationId xmlns:a16="http://schemas.microsoft.com/office/drawing/2014/main" id="{6ACAD4DB-89FA-B48B-6028-568C6AF61F9F}"/>
+              </a:ext>
+            </a:extLst>
+          </p:cNvPr>
+          <p:cNvPicPr>
+            <a:picLocks noChangeAspect="1" noChangeArrowheads="1"/>
+          </p:cNvPicPr>
+          <p:nvPr/>
+        </p:nvPicPr>
+        <p:blipFill>
+          <a:blip r:embed="rId8">
+            <a:extLst>
+              <a:ext uri="{96DAC541-7B7A-43D3-8B79-37D633B846F1}">
+                <asvg:svgBlip xmlns:asvg="http://schemas.microsoft.com/office/drawing/2016/SVG/main" r:embed="rId9"/>
+              </a:ext>
+            </a:extLst>
+          </a:blip>
+          <a:srcRect/>
+          <a:stretch/>
+        </p:blipFill>
+        <p:spPr bwMode="auto">
+          <a:xfrm>
+            <a:off x="6233883" y="3846833"/>
+            <a:ext cx="457200" cy="457200"/>
+          </a:xfrm>
+          <a:prstGeom prst="rect">
+            <a:avLst/>
+          </a:prstGeom>
+          <a:noFill/>
+          <a:ln>
+            <a:noFill/>
+          </a:ln>
+          <a:extLst>
+            <a:ext uri="{909E8E84-426E-40DD-AFC4-6F175D3DCCD1}">
+              <a14:hiddenFill xmlns:a14="http://schemas.microsoft.com/office/drawing/2010/main">
+                <a:solidFill>
+                  <a:srgbClr val="FFFFFF"/>
+                </a:solidFill>
+              </a14:hiddenFill>
+            </a:ext>
+            <a:ext uri="{91240B29-F687-4F45-9708-019B960494DF}">
+              <a14:hiddenLine xmlns:a14="http://schemas.microsoft.com/office/drawing/2010/main" w="9525">
+                <a:solidFill>
+                  <a:srgbClr val="000000"/>
+                </a:solidFill>
+                <a:miter lim="800000"/>
+                <a:headEnd/>
+                <a:tailEnd/>
+              </a14:hiddenLine>
+            </a:ext>
+          </a:extLst>
+        </p:spPr>
+      </p:pic>
+      <p:cxnSp>
+        <p:nvCxnSpPr>
+          <p:cNvPr id="25" name="Straight Arrow Connector 24">
+            <a:extLst>
+              <a:ext uri="{FF2B5EF4-FFF2-40B4-BE49-F238E27FC236}">
+                <a16:creationId xmlns:a16="http://schemas.microsoft.com/office/drawing/2014/main" id="{0D401834-4815-CCBA-AAEE-FA51E877CF96}"/>
+              </a:ext>
+            </a:extLst>
+          </p:cNvPr>
+          <p:cNvCxnSpPr>
+            <a:cxnSpLocks/>
+            <a:stCxn id="13" idx="3"/>
+            <a:endCxn id="24" idx="1"/>
+          </p:cNvCxnSpPr>
+          <p:nvPr/>
+        </p:nvCxnSpPr>
+        <p:spPr>
+          <a:xfrm flipV="1">
+            <a:off x="4544243" y="4075433"/>
+            <a:ext cx="1689640" cy="2975"/>
+          </a:xfrm>
+          <a:prstGeom prst="straightConnector1">
+            <a:avLst/>
+          </a:prstGeom>
+          <a:ln w="19050" cap="rnd">
+            <a:solidFill>
+              <a:schemeClr val="tx1"/>
+            </a:solidFill>
+            <a:miter lim="800000"/>
+            <a:headEnd w="lg" len="lg"/>
+            <a:tailEnd type="triangle"/>
+          </a:ln>
+        </p:spPr>
+        <p:style>
+          <a:lnRef idx="1">
+            <a:schemeClr val="accent1"/>
+          </a:lnRef>
+          <a:fillRef idx="0">
+            <a:schemeClr val="accent1"/>
+          </a:fillRef>
+          <a:effectRef idx="0">
+            <a:schemeClr val="accent1"/>
+          </a:effectRef>
+          <a:fontRef idx="minor">
+            <a:schemeClr val="tx1"/>
+          </a:fontRef>
+        </p:style>
+      </p:cxnSp>
+      <p:cxnSp>
+        <p:nvCxnSpPr>
+          <p:cNvPr id="26" name="Straight Arrow Connector 25">
+            <a:extLst>
+              <a:ext uri="{FF2B5EF4-FFF2-40B4-BE49-F238E27FC236}">
+                <a16:creationId xmlns:a16="http://schemas.microsoft.com/office/drawing/2014/main" id="{3CAE8C90-77B8-1B18-DF52-F9440B22A5DF}"/>
+              </a:ext>
+            </a:extLst>
+          </p:cNvPr>
+          <p:cNvCxnSpPr>
+            <a:cxnSpLocks/>
+            <a:stCxn id="14" idx="3"/>
+            <a:endCxn id="23" idx="1"/>
+          </p:cNvCxnSpPr>
+          <p:nvPr/>
+        </p:nvCxnSpPr>
+        <p:spPr>
+          <a:xfrm>
+            <a:off x="4555767" y="5045589"/>
+            <a:ext cx="1678116" cy="12600"/>
+          </a:xfrm>
+          <a:prstGeom prst="straightConnector1">
+            <a:avLst/>
+          </a:prstGeom>
+          <a:ln w="19050" cap="rnd">
+            <a:solidFill>
+              <a:schemeClr val="tx1"/>
+            </a:solidFill>
+            <a:miter lim="800000"/>
+            <a:headEnd w="lg" len="lg"/>
+            <a:tailEnd type="triangle"/>
+          </a:ln>
+        </p:spPr>
+        <p:style>
+          <a:lnRef idx="1">
+            <a:schemeClr val="accent1"/>
+          </a:lnRef>
+          <a:fillRef idx="0">
+            <a:schemeClr val="accent1"/>
+          </a:fillRef>
+          <a:effectRef idx="0">
+            <a:schemeClr val="accent1"/>
+          </a:effectRef>
+          <a:fontRef idx="minor">
+            <a:schemeClr val="tx1"/>
+          </a:fontRef>
+        </p:style>
+      </p:cxnSp>
+      <p:sp>
+        <p:nvSpPr>
+          <p:cNvPr id="27" name="TextBox 26">
+            <a:extLst>
+              <a:ext uri="{FF2B5EF4-FFF2-40B4-BE49-F238E27FC236}">
+                <a16:creationId xmlns:a16="http://schemas.microsoft.com/office/drawing/2014/main" id="{5531A245-594A-6F4E-0E36-A3C04D61F43D}"/>
+              </a:ext>
+            </a:extLst>
+          </p:cNvPr>
+          <p:cNvSpPr txBox="1"/>
+          <p:nvPr/>
+        </p:nvSpPr>
+        <p:spPr>
+          <a:xfrm>
+            <a:off x="5824905" y="4311415"/>
+            <a:ext cx="1217056" cy="246221"/>
+          </a:xfrm>
+          <a:prstGeom prst="rect">
+            <a:avLst/>
+          </a:prstGeom>
+          <a:noFill/>
+        </p:spPr>
+        <p:txBody>
+          <a:bodyPr wrap="square" rtlCol="0">
+            <a:spAutoFit/>
+          </a:bodyPr>
+          <a:lstStyle/>
+          <a:p>
+            <a:pPr algn="ctr"/>
+            <a:r>
+              <a:rPr lang="en-US" sz="1000" dirty="0"/>
+              <a:t>/compressed</a:t>
+            </a:r>
+          </a:p>
+        </p:txBody>
+      </p:sp>
+      <p:sp>
+        <p:nvSpPr>
+          <p:cNvPr id="28" name="TextBox 27">
+            <a:extLst>
+              <a:ext uri="{FF2B5EF4-FFF2-40B4-BE49-F238E27FC236}">
+                <a16:creationId xmlns:a16="http://schemas.microsoft.com/office/drawing/2014/main" id="{6337911A-21EC-BDCE-4CAE-B3C2678CF653}"/>
+              </a:ext>
+            </a:extLst>
+          </p:cNvPr>
+          <p:cNvSpPr txBox="1"/>
+          <p:nvPr/>
+        </p:nvSpPr>
+        <p:spPr>
+          <a:xfrm>
+            <a:off x="5838234" y="5312127"/>
+            <a:ext cx="1217056" cy="246221"/>
+          </a:xfrm>
+          <a:prstGeom prst="rect">
+            <a:avLst/>
+          </a:prstGeom>
+          <a:noFill/>
+        </p:spPr>
+        <p:txBody>
+          <a:bodyPr wrap="square" rtlCol="0">
+            <a:spAutoFit/>
+          </a:bodyPr>
+          <a:lstStyle/>
+          <a:p>
+            <a:pPr algn="ctr"/>
+            <a:r>
+              <a:rPr lang="en-US" sz="1000" dirty="0"/>
+              <a:t>/uncompressed</a:t>
+            </a:r>
+          </a:p>
+        </p:txBody>
+      </p:sp>
+      <p:pic>
+        <p:nvPicPr>
+          <p:cNvPr id="29" name="Graphic 8">
+            <a:extLst>
+              <a:ext uri="{FF2B5EF4-FFF2-40B4-BE49-F238E27FC236}">
+                <a16:creationId xmlns:a16="http://schemas.microsoft.com/office/drawing/2014/main" id="{15DB05EC-072E-3693-3AC4-02C5DC9EF523}"/>
+              </a:ext>
+            </a:extLst>
+          </p:cNvPr>
+          <p:cNvPicPr>
+            <a:picLocks noChangeAspect="1" noChangeArrowheads="1"/>
+          </p:cNvPicPr>
+          <p:nvPr/>
+        </p:nvPicPr>
+        <p:blipFill>
+          <a:blip r:embed="rId10">
+            <a:extLst>
+              <a:ext uri="{96DAC541-7B7A-43D3-8B79-37D633B846F1}">
+                <asvg:svgBlip xmlns:asvg="http://schemas.microsoft.com/office/drawing/2016/SVG/main" r:embed="rId11"/>
+              </a:ext>
+            </a:extLst>
+          </a:blip>
+          <a:srcRect/>
+          <a:stretch/>
+        </p:blipFill>
+        <p:spPr bwMode="auto">
+          <a:xfrm>
+            <a:off x="7529835" y="4834290"/>
+            <a:ext cx="457200" cy="457200"/>
+          </a:xfrm>
+          <a:prstGeom prst="rect">
+            <a:avLst/>
+          </a:prstGeom>
+          <a:noFill/>
+          <a:ln>
+            <a:noFill/>
+          </a:ln>
+          <a:extLst>
+            <a:ext uri="{909E8E84-426E-40DD-AFC4-6F175D3DCCD1}">
+              <a14:hiddenFill xmlns:a14="http://schemas.microsoft.com/office/drawing/2010/main">
+                <a:solidFill>
+                  <a:srgbClr val="FFFFFF"/>
+                </a:solidFill>
+              </a14:hiddenFill>
+            </a:ext>
+            <a:ext uri="{91240B29-F687-4F45-9708-019B960494DF}">
+              <a14:hiddenLine xmlns:a14="http://schemas.microsoft.com/office/drawing/2010/main" w="9525">
+                <a:solidFill>
+                  <a:srgbClr val="000000"/>
+                </a:solidFill>
+                <a:miter lim="800000"/>
+                <a:headEnd/>
+                <a:tailEnd/>
+              </a14:hiddenLine>
+            </a:ext>
+          </a:extLst>
+        </p:spPr>
+      </p:pic>
+      <p:cxnSp>
+        <p:nvCxnSpPr>
+          <p:cNvPr id="30" name="Straight Arrow Connector 29">
+            <a:extLst>
+              <a:ext uri="{FF2B5EF4-FFF2-40B4-BE49-F238E27FC236}">
+                <a16:creationId xmlns:a16="http://schemas.microsoft.com/office/drawing/2014/main" id="{089B7421-550F-7D27-361C-79793D7C0BED}"/>
+              </a:ext>
+            </a:extLst>
+          </p:cNvPr>
+          <p:cNvCxnSpPr>
+            <a:cxnSpLocks/>
+            <a:stCxn id="23" idx="3"/>
+            <a:endCxn id="29" idx="1"/>
+          </p:cNvCxnSpPr>
+          <p:nvPr/>
+        </p:nvCxnSpPr>
+        <p:spPr>
+          <a:xfrm>
+            <a:off x="6691083" y="5058189"/>
+            <a:ext cx="838752" cy="4701"/>
+          </a:xfrm>
+          <a:prstGeom prst="straightConnector1">
+            <a:avLst/>
+          </a:prstGeom>
+          <a:ln w="19050" cap="rnd">
+            <a:solidFill>
+              <a:schemeClr val="tx1"/>
+            </a:solidFill>
+            <a:miter lim="800000"/>
+            <a:headEnd w="lg" len="lg"/>
+            <a:tailEnd type="triangle"/>
+          </a:ln>
+        </p:spPr>
+        <p:style>
+          <a:lnRef idx="1">
+            <a:schemeClr val="accent1"/>
+          </a:lnRef>
+          <a:fillRef idx="0">
+            <a:schemeClr val="accent1"/>
+          </a:fillRef>
+          <a:effectRef idx="0">
+            <a:schemeClr val="accent1"/>
+          </a:effectRef>
+          <a:fontRef idx="minor">
+            <a:schemeClr val="tx1"/>
+          </a:fontRef>
+        </p:style>
+      </p:cxnSp>
+      <p:pic>
+        <p:nvPicPr>
+          <p:cNvPr id="31" name="Graphic 30">
+            <a:extLst>
+              <a:ext uri="{FF2B5EF4-FFF2-40B4-BE49-F238E27FC236}">
+                <a16:creationId xmlns:a16="http://schemas.microsoft.com/office/drawing/2014/main" id="{867DDFE6-ACF4-CBF3-AA61-7A068AFE8E12}"/>
+              </a:ext>
+            </a:extLst>
+          </p:cNvPr>
+          <p:cNvPicPr>
+            <a:picLocks noChangeAspect="1" noChangeArrowheads="1"/>
+          </p:cNvPicPr>
+          <p:nvPr/>
+        </p:nvPicPr>
+        <p:blipFill>
+          <a:blip r:embed="rId5">
+            <a:extLst>
+              <a:ext uri="{96DAC541-7B7A-43D3-8B79-37D633B846F1}">
+                <asvg:svgBlip xmlns:asvg="http://schemas.microsoft.com/office/drawing/2016/SVG/main" r:embed="rId6"/>
+              </a:ext>
+            </a:extLst>
+          </a:blip>
+          <a:srcRect/>
+          <a:stretch/>
+        </p:blipFill>
+        <p:spPr bwMode="auto">
+          <a:xfrm>
+            <a:off x="8551972" y="4832564"/>
+            <a:ext cx="468000" cy="468000"/>
+          </a:xfrm>
+          <a:prstGeom prst="rect">
+            <a:avLst/>
+          </a:prstGeom>
+          <a:noFill/>
+          <a:ln>
+            <a:noFill/>
+          </a:ln>
+          <a:extLst>
+            <a:ext uri="{909E8E84-426E-40DD-AFC4-6F175D3DCCD1}">
+              <a14:hiddenFill xmlns:a14="http://schemas.microsoft.com/office/drawing/2010/main">
+                <a:solidFill>
+                  <a:srgbClr val="FFFFFF"/>
+                </a:solidFill>
+              </a14:hiddenFill>
+            </a:ext>
+            <a:ext uri="{91240B29-F687-4F45-9708-019B960494DF}">
+              <a14:hiddenLine xmlns:a14="http://schemas.microsoft.com/office/drawing/2010/main" w="9525">
+                <a:solidFill>
+                  <a:srgbClr val="000000"/>
+                </a:solidFill>
+                <a:miter lim="800000"/>
+                <a:headEnd/>
+                <a:tailEnd/>
+              </a14:hiddenLine>
+            </a:ext>
+          </a:extLst>
+        </p:spPr>
+      </p:pic>
+      <p:sp>
+        <p:nvSpPr>
+          <p:cNvPr id="32" name="TextBox 31">
+            <a:extLst>
+              <a:ext uri="{FF2B5EF4-FFF2-40B4-BE49-F238E27FC236}">
+                <a16:creationId xmlns:a16="http://schemas.microsoft.com/office/drawing/2014/main" id="{2D447C4B-D8E8-3191-6069-A6E7483F62D0}"/>
+              </a:ext>
+            </a:extLst>
+          </p:cNvPr>
+          <p:cNvSpPr txBox="1"/>
+          <p:nvPr/>
+        </p:nvSpPr>
+        <p:spPr>
+          <a:xfrm>
+            <a:off x="8177444" y="5356607"/>
+            <a:ext cx="1217056" cy="246221"/>
+          </a:xfrm>
+          <a:prstGeom prst="rect">
+            <a:avLst/>
+          </a:prstGeom>
+          <a:noFill/>
+        </p:spPr>
+        <p:txBody>
+          <a:bodyPr wrap="square" rtlCol="0">
+            <a:spAutoFit/>
+          </a:bodyPr>
+          <a:lstStyle/>
+          <a:p>
+            <a:pPr algn="ctr"/>
+            <a:r>
+              <a:rPr lang="en-US" sz="1000" dirty="0"/>
+              <a:t>Range Extractor</a:t>
+            </a:r>
+          </a:p>
+        </p:txBody>
+      </p:sp>
+      <p:cxnSp>
+        <p:nvCxnSpPr>
+          <p:cNvPr id="33" name="Straight Arrow Connector 32">
+            <a:extLst>
+              <a:ext uri="{FF2B5EF4-FFF2-40B4-BE49-F238E27FC236}">
+                <a16:creationId xmlns:a16="http://schemas.microsoft.com/office/drawing/2014/main" id="{B9931D52-B21D-8E84-CEFC-B384B1572CF2}"/>
+              </a:ext>
+            </a:extLst>
+          </p:cNvPr>
+          <p:cNvCxnSpPr>
+            <a:cxnSpLocks/>
+            <a:stCxn id="29" idx="3"/>
+            <a:endCxn id="31" idx="1"/>
+          </p:cNvCxnSpPr>
+          <p:nvPr/>
+        </p:nvCxnSpPr>
+        <p:spPr>
+          <a:xfrm>
+            <a:off x="7987035" y="5062890"/>
+            <a:ext cx="564937" cy="3674"/>
+          </a:xfrm>
+          <a:prstGeom prst="straightConnector1">
+            <a:avLst/>
+          </a:prstGeom>
+          <a:ln w="19050" cap="rnd">
+            <a:solidFill>
+              <a:schemeClr val="tx1"/>
+            </a:solidFill>
+            <a:miter lim="800000"/>
+            <a:headEnd w="lg" len="lg"/>
+            <a:tailEnd type="triangle"/>
+          </a:ln>
+        </p:spPr>
+        <p:style>
+          <a:lnRef idx="1">
+            <a:schemeClr val="accent1"/>
+          </a:lnRef>
+          <a:fillRef idx="0">
+            <a:schemeClr val="accent1"/>
+          </a:fillRef>
+          <a:effectRef idx="0">
+            <a:schemeClr val="accent1"/>
+          </a:effectRef>
+          <a:fontRef idx="minor">
+            <a:schemeClr val="tx1"/>
+          </a:fontRef>
+        </p:style>
+      </p:cxnSp>
+      <p:pic>
+        <p:nvPicPr>
+          <p:cNvPr id="34" name="Graphic 26">
+            <a:extLst>
+              <a:ext uri="{FF2B5EF4-FFF2-40B4-BE49-F238E27FC236}">
+                <a16:creationId xmlns:a16="http://schemas.microsoft.com/office/drawing/2014/main" id="{514BF3A7-EE04-5739-A057-2D1A910AE5B5}"/>
+              </a:ext>
+            </a:extLst>
+          </p:cNvPr>
+          <p:cNvPicPr>
+            <a:picLocks noChangeAspect="1" noChangeArrowheads="1"/>
+          </p:cNvPicPr>
+          <p:nvPr/>
+        </p:nvPicPr>
+        <p:blipFill>
+          <a:blip r:embed="rId12">
+            <a:extLst>
+              <a:ext uri="{28A0092B-C50C-407E-A947-70E740481C1C}">
+                <a14:useLocalDpi xmlns:a14="http://schemas.microsoft.com/office/drawing/2010/main" val="0"/>
+              </a:ext>
+            </a:extLst>
+          </a:blip>
+          <a:srcRect/>
+          <a:stretch>
+            <a:fillRect/>
+          </a:stretch>
+        </p:blipFill>
+        <p:spPr bwMode="auto">
+          <a:xfrm>
+            <a:off x="8477310" y="2769491"/>
+            <a:ext cx="612000" cy="612000"/>
+          </a:xfrm>
+          <a:prstGeom prst="rect">
+            <a:avLst/>
+          </a:prstGeom>
+          <a:noFill/>
+          <a:ln>
+            <a:noFill/>
+          </a:ln>
+          <a:extLst>
+            <a:ext uri="{909E8E84-426E-40DD-AFC4-6F175D3DCCD1}">
+              <a14:hiddenFill xmlns:a14="http://schemas.microsoft.com/office/drawing/2010/main">
+                <a:solidFill>
+                  <a:srgbClr val="FFFFFF"/>
+                </a:solidFill>
+              </a14:hiddenFill>
+            </a:ext>
+            <a:ext uri="{91240B29-F687-4F45-9708-019B960494DF}">
+              <a14:hiddenLine xmlns:a14="http://schemas.microsoft.com/office/drawing/2010/main" w="9525">
+                <a:solidFill>
+                  <a:srgbClr val="000000"/>
+                </a:solidFill>
+                <a:miter lim="800000"/>
+                <a:headEnd/>
+                <a:tailEnd/>
+              </a14:hiddenLine>
+            </a:ext>
+          </a:extLst>
+        </p:spPr>
+      </p:pic>
+      <p:sp>
+        <p:nvSpPr>
+          <p:cNvPr id="35" name="TextBox 34">
+            <a:extLst>
+              <a:ext uri="{FF2B5EF4-FFF2-40B4-BE49-F238E27FC236}">
+                <a16:creationId xmlns:a16="http://schemas.microsoft.com/office/drawing/2014/main" id="{7F7ACE54-6096-2682-4209-DAD32F266801}"/>
+              </a:ext>
+            </a:extLst>
+          </p:cNvPr>
+          <p:cNvSpPr txBox="1"/>
+          <p:nvPr/>
+        </p:nvSpPr>
+        <p:spPr>
+          <a:xfrm>
+            <a:off x="8174782" y="3427370"/>
+            <a:ext cx="1217056" cy="246221"/>
+          </a:xfrm>
+          <a:prstGeom prst="rect">
+            <a:avLst/>
+          </a:prstGeom>
+          <a:noFill/>
+        </p:spPr>
+        <p:txBody>
+          <a:bodyPr wrap="square" rtlCol="0">
+            <a:spAutoFit/>
+          </a:bodyPr>
+          <a:lstStyle/>
+          <a:p>
+            <a:pPr algn="ctr"/>
+            <a:r>
+              <a:rPr lang="en-US" sz="1000" dirty="0"/>
+              <a:t>Amazon SQS</a:t>
+            </a:r>
+          </a:p>
+        </p:txBody>
+      </p:sp>
+      <p:cxnSp>
+        <p:nvCxnSpPr>
+          <p:cNvPr id="36" name="Straight Arrow Connector 35">
+            <a:extLst>
+              <a:ext uri="{FF2B5EF4-FFF2-40B4-BE49-F238E27FC236}">
+                <a16:creationId xmlns:a16="http://schemas.microsoft.com/office/drawing/2014/main" id="{E8F169CC-49B9-B27E-2ACA-FA839DCE0FE1}"/>
+              </a:ext>
+            </a:extLst>
+          </p:cNvPr>
+          <p:cNvCxnSpPr>
+            <a:cxnSpLocks/>
+            <a:stCxn id="31" idx="0"/>
+            <a:endCxn id="35" idx="2"/>
+          </p:cNvCxnSpPr>
+          <p:nvPr/>
+        </p:nvCxnSpPr>
+        <p:spPr>
+          <a:xfrm flipH="1" flipV="1">
+            <a:off x="8783310" y="3673591"/>
+            <a:ext cx="0" cy="1158973"/>
+          </a:xfrm>
+          <a:prstGeom prst="straightConnector1">
+            <a:avLst/>
+          </a:prstGeom>
+          <a:ln w="19050" cap="rnd">
+            <a:solidFill>
+              <a:schemeClr val="tx1"/>
+            </a:solidFill>
+            <a:miter lim="800000"/>
+            <a:headEnd w="lg" len="lg"/>
+            <a:tailEnd type="triangle"/>
+          </a:ln>
+        </p:spPr>
+        <p:style>
+          <a:lnRef idx="1">
+            <a:schemeClr val="accent1"/>
+          </a:lnRef>
+          <a:fillRef idx="0">
+            <a:schemeClr val="accent1"/>
+          </a:fillRef>
+          <a:effectRef idx="0">
+            <a:schemeClr val="accent1"/>
+          </a:effectRef>
+          <a:fontRef idx="minor">
+            <a:schemeClr val="tx1"/>
+          </a:fontRef>
+        </p:style>
+      </p:cxnSp>
+      <p:pic>
+        <p:nvPicPr>
+          <p:cNvPr id="37" name="Graphic 36">
+            <a:extLst>
+              <a:ext uri="{FF2B5EF4-FFF2-40B4-BE49-F238E27FC236}">
+                <a16:creationId xmlns:a16="http://schemas.microsoft.com/office/drawing/2014/main" id="{500B3AD7-EA5A-D641-4715-5ACEFCB05A3E}"/>
+              </a:ext>
+            </a:extLst>
+          </p:cNvPr>
+          <p:cNvPicPr>
+            <a:picLocks noChangeAspect="1" noChangeArrowheads="1"/>
+          </p:cNvPicPr>
+          <p:nvPr/>
+        </p:nvPicPr>
+        <p:blipFill>
+          <a:blip r:embed="rId5">
+            <a:extLst>
+              <a:ext uri="{96DAC541-7B7A-43D3-8B79-37D633B846F1}">
+                <asvg:svgBlip xmlns:asvg="http://schemas.microsoft.com/office/drawing/2016/SVG/main" r:embed="rId6"/>
+              </a:ext>
+            </a:extLst>
+          </a:blip>
+          <a:srcRect/>
+          <a:stretch/>
+        </p:blipFill>
+        <p:spPr bwMode="auto">
+          <a:xfrm>
+            <a:off x="9869029" y="2836866"/>
+            <a:ext cx="468000" cy="468000"/>
+          </a:xfrm>
+          <a:prstGeom prst="rect">
+            <a:avLst/>
+          </a:prstGeom>
+          <a:noFill/>
+          <a:ln>
+            <a:noFill/>
+          </a:ln>
+          <a:extLst>
+            <a:ext uri="{909E8E84-426E-40DD-AFC4-6F175D3DCCD1}">
+              <a14:hiddenFill xmlns:a14="http://schemas.microsoft.com/office/drawing/2010/main">
+                <a:solidFill>
+                  <a:srgbClr val="FFFFFF"/>
+                </a:solidFill>
+              </a14:hiddenFill>
+            </a:ext>
+            <a:ext uri="{91240B29-F687-4F45-9708-019B960494DF}">
+              <a14:hiddenLine xmlns:a14="http://schemas.microsoft.com/office/drawing/2010/main" w="9525">
+                <a:solidFill>
+                  <a:srgbClr val="000000"/>
+                </a:solidFill>
+                <a:miter lim="800000"/>
+                <a:headEnd/>
+                <a:tailEnd/>
+              </a14:hiddenLine>
+            </a:ext>
+          </a:extLst>
+        </p:spPr>
+      </p:pic>
+      <p:sp>
+        <p:nvSpPr>
+          <p:cNvPr id="38" name="TextBox 37">
+            <a:extLst>
+              <a:ext uri="{FF2B5EF4-FFF2-40B4-BE49-F238E27FC236}">
+                <a16:creationId xmlns:a16="http://schemas.microsoft.com/office/drawing/2014/main" id="{D6FEACA4-6786-406B-264E-94A43A7C3675}"/>
+              </a:ext>
+            </a:extLst>
+          </p:cNvPr>
+          <p:cNvSpPr txBox="1"/>
+          <p:nvPr/>
+        </p:nvSpPr>
+        <p:spPr>
+          <a:xfrm>
+            <a:off x="9494501" y="3360909"/>
+            <a:ext cx="1217056" cy="246221"/>
+          </a:xfrm>
+          <a:prstGeom prst="rect">
+            <a:avLst/>
+          </a:prstGeom>
+          <a:noFill/>
+        </p:spPr>
+        <p:txBody>
+          <a:bodyPr wrap="square" rtlCol="0">
+            <a:spAutoFit/>
+          </a:bodyPr>
+          <a:lstStyle/>
+          <a:p>
+            <a:pPr algn="ctr"/>
+            <a:r>
+              <a:rPr lang="en-US" sz="1000" dirty="0"/>
+              <a:t>Range Worker</a:t>
+            </a:r>
+          </a:p>
+        </p:txBody>
+      </p:sp>
+      <p:cxnSp>
+        <p:nvCxnSpPr>
+          <p:cNvPr id="39" name="Straight Arrow Connector 38">
+            <a:extLst>
+              <a:ext uri="{FF2B5EF4-FFF2-40B4-BE49-F238E27FC236}">
+                <a16:creationId xmlns:a16="http://schemas.microsoft.com/office/drawing/2014/main" id="{43BDA4BF-570E-133B-6F17-3A7D6200404B}"/>
+              </a:ext>
+            </a:extLst>
+          </p:cNvPr>
+          <p:cNvCxnSpPr>
+            <a:cxnSpLocks/>
+            <a:stCxn id="34" idx="3"/>
+            <a:endCxn id="37" idx="1"/>
+          </p:cNvCxnSpPr>
+          <p:nvPr/>
+        </p:nvCxnSpPr>
+        <p:spPr>
+          <a:xfrm flipV="1">
+            <a:off x="9089310" y="3070866"/>
+            <a:ext cx="779719" cy="4625"/>
+          </a:xfrm>
+          <a:prstGeom prst="straightConnector1">
+            <a:avLst/>
+          </a:prstGeom>
+          <a:ln w="19050" cap="rnd">
+            <a:solidFill>
+              <a:schemeClr val="tx1"/>
+            </a:solidFill>
+            <a:miter lim="800000"/>
+            <a:headEnd w="lg" len="lg"/>
+            <a:tailEnd type="triangle"/>
+          </a:ln>
+        </p:spPr>
+        <p:style>
+          <a:lnRef idx="1">
+            <a:schemeClr val="accent1"/>
+          </a:lnRef>
+          <a:fillRef idx="0">
+            <a:schemeClr val="accent1"/>
+          </a:fillRef>
+          <a:effectRef idx="0">
+            <a:schemeClr val="accent1"/>
+          </a:effectRef>
+          <a:fontRef idx="minor">
+            <a:schemeClr val="tx1"/>
+          </a:fontRef>
+        </p:style>
+      </p:cxnSp>
+      <p:pic>
+        <p:nvPicPr>
+          <p:cNvPr id="40" name="Graphic 24">
+            <a:extLst>
+              <a:ext uri="{FF2B5EF4-FFF2-40B4-BE49-F238E27FC236}">
+                <a16:creationId xmlns:a16="http://schemas.microsoft.com/office/drawing/2014/main" id="{36968FFF-2052-5B15-3D86-1D60BB24F3AD}"/>
+              </a:ext>
+            </a:extLst>
+          </p:cNvPr>
+          <p:cNvPicPr>
+            <a:picLocks noChangeAspect="1" noChangeArrowheads="1"/>
+          </p:cNvPicPr>
+          <p:nvPr/>
+        </p:nvPicPr>
+        <p:blipFill>
+          <a:blip r:embed="rId13">
+            <a:extLst>
+              <a:ext uri="{28A0092B-C50C-407E-A947-70E740481C1C}">
+                <a14:useLocalDpi xmlns:a14="http://schemas.microsoft.com/office/drawing/2010/main" val="0"/>
+              </a:ext>
+            </a:extLst>
+          </a:blip>
+          <a:srcRect/>
+          <a:stretch>
+            <a:fillRect/>
+          </a:stretch>
+        </p:blipFill>
+        <p:spPr bwMode="auto">
+          <a:xfrm>
+            <a:off x="11046924" y="2761279"/>
+            <a:ext cx="612000" cy="612000"/>
+          </a:xfrm>
+          <a:prstGeom prst="rect">
+            <a:avLst/>
+          </a:prstGeom>
+          <a:noFill/>
+          <a:ln>
+            <a:noFill/>
+          </a:ln>
+          <a:extLst>
+            <a:ext uri="{909E8E84-426E-40DD-AFC4-6F175D3DCCD1}">
+              <a14:hiddenFill xmlns:a14="http://schemas.microsoft.com/office/drawing/2010/main">
+                <a:solidFill>
+                  <a:srgbClr val="FFFFFF"/>
+                </a:solidFill>
+              </a14:hiddenFill>
+            </a:ext>
+            <a:ext uri="{91240B29-F687-4F45-9708-019B960494DF}">
+              <a14:hiddenLine xmlns:a14="http://schemas.microsoft.com/office/drawing/2010/main" w="9525">
+                <a:solidFill>
+                  <a:srgbClr val="000000"/>
+                </a:solidFill>
+                <a:miter lim="800000"/>
+                <a:headEnd/>
+                <a:tailEnd/>
+              </a14:hiddenLine>
+            </a:ext>
+          </a:extLst>
+        </p:spPr>
+      </p:pic>
+      <p:sp>
+        <p:nvSpPr>
+          <p:cNvPr id="41" name="TextBox 40">
+            <a:extLst>
+              <a:ext uri="{FF2B5EF4-FFF2-40B4-BE49-F238E27FC236}">
+                <a16:creationId xmlns:a16="http://schemas.microsoft.com/office/drawing/2014/main" id="{1CA621C6-E153-5375-AFDD-AB5ADE84DB1C}"/>
+              </a:ext>
+            </a:extLst>
+          </p:cNvPr>
+          <p:cNvSpPr txBox="1"/>
+          <p:nvPr/>
+        </p:nvSpPr>
+        <p:spPr>
+          <a:xfrm>
+            <a:off x="10744396" y="3399408"/>
+            <a:ext cx="1217056" cy="246221"/>
+          </a:xfrm>
+          <a:prstGeom prst="rect">
+            <a:avLst/>
+          </a:prstGeom>
+          <a:noFill/>
+        </p:spPr>
+        <p:txBody>
+          <a:bodyPr wrap="square" rtlCol="0">
+            <a:spAutoFit/>
+          </a:bodyPr>
+          <a:lstStyle/>
+          <a:p>
+            <a:pPr algn="ctr"/>
+            <a:r>
+              <a:rPr lang="en-US" sz="1000" dirty="0"/>
+              <a:t>Amazon Kinesis</a:t>
+            </a:r>
+          </a:p>
+        </p:txBody>
+      </p:sp>
+      <p:cxnSp>
+        <p:nvCxnSpPr>
+          <p:cNvPr id="42" name="Straight Arrow Connector 41">
+            <a:extLst>
+              <a:ext uri="{FF2B5EF4-FFF2-40B4-BE49-F238E27FC236}">
+                <a16:creationId xmlns:a16="http://schemas.microsoft.com/office/drawing/2014/main" id="{D2F8F298-2701-C568-10B8-CAC0B599FF73}"/>
+              </a:ext>
+            </a:extLst>
+          </p:cNvPr>
+          <p:cNvCxnSpPr>
+            <a:cxnSpLocks/>
+            <a:stCxn id="37" idx="3"/>
+            <a:endCxn id="40" idx="1"/>
+          </p:cNvCxnSpPr>
+          <p:nvPr/>
+        </p:nvCxnSpPr>
+        <p:spPr>
+          <a:xfrm flipV="1">
+            <a:off x="10337029" y="3067279"/>
+            <a:ext cx="709895" cy="3587"/>
+          </a:xfrm>
+          <a:prstGeom prst="straightConnector1">
+            <a:avLst/>
+          </a:prstGeom>
+          <a:ln w="19050" cap="rnd">
+            <a:solidFill>
+              <a:schemeClr val="tx1"/>
+            </a:solidFill>
+            <a:miter lim="800000"/>
+            <a:headEnd w="lg" len="lg"/>
+            <a:tailEnd type="triangle"/>
+          </a:ln>
+        </p:spPr>
+        <p:style>
+          <a:lnRef idx="1">
+            <a:schemeClr val="accent1"/>
+          </a:lnRef>
+          <a:fillRef idx="0">
+            <a:schemeClr val="accent1"/>
+          </a:fillRef>
+          <a:effectRef idx="0">
+            <a:schemeClr val="accent1"/>
+          </a:effectRef>
+          <a:fontRef idx="minor">
+            <a:schemeClr val="tx1"/>
+          </a:fontRef>
+        </p:style>
+      </p:cxnSp>
+    </p:spTree>
+    <p:extLst>
+      <p:ext uri="{BB962C8B-B14F-4D97-AF65-F5344CB8AC3E}">
+        <p14:creationId xmlns:p14="http://schemas.microsoft.com/office/powerpoint/2010/main" val="348439795"/>
+      </p:ext>
+    </p:extLst>
+  </p:cSld>
+  <p:clrMapOvr>
+    <a:masterClrMapping/>
+  </p:clrMapOvr>
+  <p:transition>
+    <p:fade/>
+  </p:transition>
+</p:sld>
+</file>
+
+<file path=ppt/slides/slide3.xml><?xml version="1.0" encoding="utf-8"?>
+<p:sld xmlns:a="http://schemas.openxmlformats.org/drawingml/2006/main" xmlns:r="http://schemas.openxmlformats.org/officeDocument/2006/relationships" xmlns:p="http://schemas.openxmlformats.org/presentationml/2006/main">
+  <p:cSld>
+    <p:spTree>
+      <p:nvGrpSpPr>
+        <p:cNvPr id="1" name=""/>
+        <p:cNvGrpSpPr/>
+        <p:nvPr/>
+      </p:nvGrpSpPr>
+      <p:grpSpPr>
+        <a:xfrm>
+          <a:off x="0" y="0"/>
+          <a:ext cx="0" cy="0"/>
+          <a:chOff x="0" y="0"/>
+          <a:chExt cx="0" cy="0"/>
+        </a:xfrm>
+      </p:grpSpPr>
+      <p:pic>
+        <p:nvPicPr>
+          <p:cNvPr id="12" name="Graphic 9">
+            <a:extLst>
+              <a:ext uri="{FF2B5EF4-FFF2-40B4-BE49-F238E27FC236}">
+                <a16:creationId xmlns:a16="http://schemas.microsoft.com/office/drawing/2014/main" id="{0D7AED7B-E0BE-B200-95F1-32C24289CD2E}"/>
+              </a:ext>
+            </a:extLst>
+          </p:cNvPr>
+          <p:cNvPicPr>
+            <a:picLocks noChangeAspect="1" noChangeArrowheads="1"/>
+          </p:cNvPicPr>
+          <p:nvPr/>
+        </p:nvPicPr>
+        <p:blipFill>
+          <a:blip r:embed="rId2">
+            <a:extLst>
+              <a:ext uri="{96DAC541-7B7A-43D3-8B79-37D633B846F1}">
+                <asvg:svgBlip xmlns:asvg="http://schemas.microsoft.com/office/drawing/2016/SVG/main" r:embed="rId3"/>
+              </a:ext>
+            </a:extLst>
+          </a:blip>
+          <a:srcRect/>
+          <a:stretch/>
+        </p:blipFill>
+        <p:spPr bwMode="auto">
+          <a:xfrm>
+            <a:off x="5807315" y="1724053"/>
+            <a:ext cx="720000" cy="720000"/>
+          </a:xfrm>
+          <a:prstGeom prst="rect">
+            <a:avLst/>
+          </a:prstGeom>
+          <a:noFill/>
+          <a:ln>
+            <a:noFill/>
+          </a:ln>
+          <a:extLst>
+            <a:ext uri="{909E8E84-426E-40DD-AFC4-6F175D3DCCD1}">
+              <a14:hiddenFill xmlns:a14="http://schemas.microsoft.com/office/drawing/2010/main">
+                <a:solidFill>
+                  <a:srgbClr val="FFFFFF"/>
+                </a:solidFill>
+              </a14:hiddenFill>
+            </a:ext>
+            <a:ext uri="{91240B29-F687-4F45-9708-019B960494DF}">
+              <a14:hiddenLine xmlns:a14="http://schemas.microsoft.com/office/drawing/2010/main" w="9525">
+                <a:solidFill>
+                  <a:srgbClr val="000000"/>
+                </a:solidFill>
+                <a:miter lim="800000"/>
+                <a:headEnd/>
+                <a:tailEnd/>
+              </a14:hiddenLine>
+            </a:ext>
+          </a:extLst>
+        </p:spPr>
+      </p:pic>
+      <p:cxnSp>
+        <p:nvCxnSpPr>
+          <p:cNvPr id="13" name="Straight Arrow Connector 12">
+            <a:extLst>
+              <a:ext uri="{FF2B5EF4-FFF2-40B4-BE49-F238E27FC236}">
+                <a16:creationId xmlns:a16="http://schemas.microsoft.com/office/drawing/2014/main" id="{FAE184F4-4D1D-C0EE-C3D5-CD446577CED0}"/>
+              </a:ext>
+            </a:extLst>
+          </p:cNvPr>
+          <p:cNvCxnSpPr>
+            <a:cxnSpLocks/>
+          </p:cNvCxnSpPr>
+          <p:nvPr/>
+        </p:nvCxnSpPr>
+        <p:spPr>
+          <a:xfrm flipV="1">
+            <a:off x="2386051" y="4060312"/>
+            <a:ext cx="2100000" cy="0"/>
+          </a:xfrm>
+          <a:prstGeom prst="straightConnector1">
+            <a:avLst/>
+          </a:prstGeom>
+          <a:ln w="19050">
+            <a:solidFill>
+              <a:schemeClr val="tx1"/>
+            </a:solidFill>
+            <a:tailEnd type="triangle"/>
+          </a:ln>
+        </p:spPr>
+        <p:style>
+          <a:lnRef idx="2">
+            <a:schemeClr val="dk1"/>
+          </a:lnRef>
+          <a:fillRef idx="0">
+            <a:schemeClr val="dk1"/>
+          </a:fillRef>
+          <a:effectRef idx="1">
+            <a:schemeClr val="dk1"/>
+          </a:effectRef>
+          <a:fontRef idx="minor">
+            <a:schemeClr val="tx1"/>
+          </a:fontRef>
+        </p:style>
+      </p:cxnSp>
+      <p:cxnSp>
+        <p:nvCxnSpPr>
+          <p:cNvPr id="14" name="Elbow Connector 13">
+            <a:extLst>
+              <a:ext uri="{FF2B5EF4-FFF2-40B4-BE49-F238E27FC236}">
+                <a16:creationId xmlns:a16="http://schemas.microsoft.com/office/drawing/2014/main" id="{F6306741-3D7C-C897-53E0-6353532228AF}"/>
+              </a:ext>
+            </a:extLst>
+          </p:cNvPr>
+          <p:cNvCxnSpPr>
+            <a:cxnSpLocks/>
+            <a:endCxn id="24" idx="2"/>
+          </p:cNvCxnSpPr>
+          <p:nvPr/>
+        </p:nvCxnSpPr>
+        <p:spPr>
+          <a:xfrm flipV="1">
+            <a:off x="4812348" y="2820783"/>
+            <a:ext cx="1412347" cy="1239529"/>
+          </a:xfrm>
+          <a:prstGeom prst="bentConnector2">
+            <a:avLst/>
+          </a:prstGeom>
+          <a:ln w="19050" cap="rnd">
+            <a:solidFill>
+              <a:schemeClr val="tx1"/>
+            </a:solidFill>
+            <a:miter lim="800000"/>
+            <a:headEnd w="lg" len="lg"/>
+            <a:tailEnd type="triangle"/>
+          </a:ln>
+        </p:spPr>
+        <p:style>
+          <a:lnRef idx="1">
+            <a:schemeClr val="accent1"/>
+          </a:lnRef>
+          <a:fillRef idx="0">
+            <a:schemeClr val="accent1"/>
+          </a:fillRef>
+          <a:effectRef idx="0">
+            <a:schemeClr val="accent1"/>
+          </a:effectRef>
+          <a:fontRef idx="minor">
+            <a:schemeClr val="tx1"/>
+          </a:fontRef>
+        </p:style>
+      </p:cxnSp>
+      <p:pic>
+        <p:nvPicPr>
+          <p:cNvPr id="17" name="Graphic 16" descr="Database">
+            <a:extLst>
+              <a:ext uri="{FF2B5EF4-FFF2-40B4-BE49-F238E27FC236}">
+                <a16:creationId xmlns:a16="http://schemas.microsoft.com/office/drawing/2014/main" id="{E46FA742-E834-4F86-68A6-1CAD1089D6F8}"/>
+              </a:ext>
+            </a:extLst>
+          </p:cNvPr>
+          <p:cNvPicPr>
+            <a:picLocks noChangeAspect="1"/>
+          </p:cNvPicPr>
+          <p:nvPr/>
+        </p:nvPicPr>
+        <p:blipFill>
+          <a:blip r:embed="rId4">
+            <a:extLst>
+              <a:ext uri="{28A0092B-C50C-407E-A947-70E740481C1C}">
+                <a14:useLocalDpi xmlns:a14="http://schemas.microsoft.com/office/drawing/2010/main" val="0"/>
+              </a:ext>
+              <a:ext uri="{96DAC541-7B7A-43D3-8B79-37D633B846F1}">
+                <asvg:svgBlip xmlns:asvg="http://schemas.microsoft.com/office/drawing/2016/SVG/main" r:embed="rId5"/>
+              </a:ext>
+            </a:extLst>
+          </a:blip>
+          <a:stretch>
+            <a:fillRect/>
+          </a:stretch>
+        </p:blipFill>
+        <p:spPr>
+          <a:xfrm>
+            <a:off x="1416857" y="3694071"/>
+            <a:ext cx="762000" cy="762000"/>
+          </a:xfrm>
+          <a:prstGeom prst="rect">
+            <a:avLst/>
+          </a:prstGeom>
+        </p:spPr>
+      </p:pic>
+      <p:pic>
+        <p:nvPicPr>
+          <p:cNvPr id="18" name="Graphic 7">
+            <a:extLst>
+              <a:ext uri="{FF2B5EF4-FFF2-40B4-BE49-F238E27FC236}">
+                <a16:creationId xmlns:a16="http://schemas.microsoft.com/office/drawing/2014/main" id="{29EBD54B-FFD2-E191-1DA5-5F5971AEE9BD}"/>
+              </a:ext>
+            </a:extLst>
+          </p:cNvPr>
+          <p:cNvPicPr>
+            <a:picLocks noChangeAspect="1" noChangeArrowheads="1"/>
+          </p:cNvPicPr>
+          <p:nvPr/>
+        </p:nvPicPr>
+        <p:blipFill>
+          <a:blip r:embed="rId6">
+            <a:extLst>
+              <a:ext uri="{96DAC541-7B7A-43D3-8B79-37D633B846F1}">
+                <asvg:svgBlip xmlns:asvg="http://schemas.microsoft.com/office/drawing/2016/SVG/main" r:embed="rId7"/>
+              </a:ext>
+            </a:extLst>
+          </a:blip>
+          <a:srcRect/>
+          <a:stretch/>
+        </p:blipFill>
+        <p:spPr bwMode="auto">
+          <a:xfrm>
+            <a:off x="4499333" y="3700312"/>
+            <a:ext cx="720000" cy="720000"/>
+          </a:xfrm>
+          <a:prstGeom prst="rect">
+            <a:avLst/>
+          </a:prstGeom>
+          <a:noFill/>
+          <a:ln>
+            <a:noFill/>
+          </a:ln>
+          <a:extLst>
+            <a:ext uri="{909E8E84-426E-40DD-AFC4-6F175D3DCCD1}">
+              <a14:hiddenFill xmlns:a14="http://schemas.microsoft.com/office/drawing/2010/main">
+                <a:solidFill>
+                  <a:srgbClr val="FFFFFF"/>
+                </a:solidFill>
+              </a14:hiddenFill>
+            </a:ext>
+            <a:ext uri="{91240B29-F687-4F45-9708-019B960494DF}">
+              <a14:hiddenLine xmlns:a14="http://schemas.microsoft.com/office/drawing/2010/main" w="9525">
+                <a:solidFill>
+                  <a:srgbClr val="000000"/>
+                </a:solidFill>
+                <a:miter lim="800000"/>
+                <a:headEnd/>
+                <a:tailEnd/>
+              </a14:hiddenLine>
+            </a:ext>
+          </a:extLst>
+        </p:spPr>
+      </p:pic>
+      <p:sp>
+        <p:nvSpPr>
+          <p:cNvPr id="19" name="TextBox 18">
+            <a:extLst>
+              <a:ext uri="{FF2B5EF4-FFF2-40B4-BE49-F238E27FC236}">
+                <a16:creationId xmlns:a16="http://schemas.microsoft.com/office/drawing/2014/main" id="{C096C0C1-7AAA-0D96-151F-0CC9E919179E}"/>
+              </a:ext>
+            </a:extLst>
+          </p:cNvPr>
+          <p:cNvSpPr txBox="1"/>
+          <p:nvPr/>
+        </p:nvSpPr>
+        <p:spPr>
+          <a:xfrm>
+            <a:off x="1189329" y="4415340"/>
+            <a:ext cx="1217056" cy="400110"/>
+          </a:xfrm>
+          <a:prstGeom prst="rect">
+            <a:avLst/>
+          </a:prstGeom>
+          <a:noFill/>
+        </p:spPr>
+        <p:txBody>
+          <a:bodyPr wrap="square" rtlCol="0">
+            <a:spAutoFit/>
+          </a:bodyPr>
+          <a:lstStyle/>
+          <a:p>
+            <a:pPr algn="ctr"/>
+            <a:r>
+              <a:rPr lang="en-US" sz="1000" dirty="0"/>
+              <a:t>External Data Source</a:t>
+            </a:r>
+          </a:p>
+        </p:txBody>
+      </p:sp>
+      <p:grpSp>
+        <p:nvGrpSpPr>
+          <p:cNvPr id="20" name="Group 19">
+            <a:extLst>
+              <a:ext uri="{FF2B5EF4-FFF2-40B4-BE49-F238E27FC236}">
+                <a16:creationId xmlns:a16="http://schemas.microsoft.com/office/drawing/2014/main" id="{488B2E8A-298E-8EDE-8102-574DA8990E21}"/>
+              </a:ext>
+            </a:extLst>
+          </p:cNvPr>
+          <p:cNvGrpSpPr>
+            <a:grpSpLocks noChangeAspect="1"/>
+          </p:cNvGrpSpPr>
+          <p:nvPr/>
+        </p:nvGrpSpPr>
+        <p:grpSpPr>
+          <a:xfrm>
+            <a:off x="3043895" y="3711456"/>
+            <a:ext cx="590400" cy="611794"/>
+            <a:chOff x="3860821" y="6943877"/>
+            <a:chExt cx="360000" cy="373045"/>
+          </a:xfrm>
+        </p:grpSpPr>
+        <p:sp>
+          <p:nvSpPr>
+            <p:cNvPr id="21" name="Rectangle 20">
+              <a:extLst>
+                <a:ext uri="{FF2B5EF4-FFF2-40B4-BE49-F238E27FC236}">
+                  <a16:creationId xmlns:a16="http://schemas.microsoft.com/office/drawing/2014/main" id="{120F9D3C-3E99-A2E1-FD84-50A6F51ACD1C}"/>
+                </a:ext>
+              </a:extLst>
+            </p:cNvPr>
+            <p:cNvSpPr/>
+            <p:nvPr/>
+          </p:nvSpPr>
+          <p:spPr bwMode="auto">
+            <a:xfrm>
+              <a:off x="3860821" y="6943877"/>
+              <a:ext cx="337682" cy="360000"/>
+            </a:xfrm>
+            <a:prstGeom prst="rect">
+              <a:avLst/>
+            </a:prstGeom>
+            <a:solidFill>
+              <a:schemeClr val="bg1"/>
+            </a:solidFill>
+            <a:ln>
+              <a:noFill/>
+              <a:headEnd type="none" w="med" len="med"/>
+              <a:tailEnd type="none" w="med" len="med"/>
+            </a:ln>
+            <a:effectLst/>
+          </p:spPr>
+          <p:style>
+            <a:lnRef idx="1">
+              <a:schemeClr val="accent2"/>
+            </a:lnRef>
+            <a:fillRef idx="3">
+              <a:schemeClr val="accent2"/>
+            </a:fillRef>
+            <a:effectRef idx="2">
+              <a:schemeClr val="accent2"/>
+            </a:effectRef>
+            <a:fontRef idx="minor">
+              <a:schemeClr val="lt1"/>
+            </a:fontRef>
+          </p:style>
+          <p:txBody>
+            <a:bodyPr rot="0" spcFirstLastPara="0" vertOverflow="overflow" horzOverflow="overflow" vert="horz" wrap="square" lIns="152400" tIns="121920" rIns="152400" bIns="121920" numCol="1" spcCol="0" rtlCol="0" fromWordArt="0" anchor="ctr" anchorCtr="0" forceAA="0" compatLnSpc="1">
+              <a:prstTxWarp prst="textNoShape">
+                <a:avLst/>
+              </a:prstTxWarp>
+              <a:noAutofit/>
+            </a:bodyPr>
+            <a:lstStyle/>
+            <a:p>
+              <a:pPr algn="ctr" defTabSz="777029" fontAlgn="base">
+                <a:lnSpc>
+                  <a:spcPct val="90000"/>
+                </a:lnSpc>
+                <a:spcBef>
+                  <a:spcPct val="0"/>
+                </a:spcBef>
+                <a:spcAft>
+                  <a:spcPct val="0"/>
+                </a:spcAft>
+              </a:pPr>
+              <a:endParaRPr lang="en-US" sz="2000" dirty="0">
+                <a:solidFill>
+                  <a:schemeClr val="tx1"/>
+                </a:solidFill>
+                <a:ea typeface="Segoe UI" pitchFamily="34" charset="0"/>
+                <a:cs typeface="Segoe UI" pitchFamily="34" charset="0"/>
+              </a:endParaRPr>
+            </a:p>
+          </p:txBody>
+        </p:sp>
+        <p:pic>
+          <p:nvPicPr>
+            <p:cNvPr id="22" name="Graphic 60">
+              <a:extLst>
+                <a:ext uri="{FF2B5EF4-FFF2-40B4-BE49-F238E27FC236}">
+                  <a16:creationId xmlns:a16="http://schemas.microsoft.com/office/drawing/2014/main" id="{2B5DBF0D-58C5-01B3-E8A5-471702885E5E}"/>
+                </a:ext>
+              </a:extLst>
+            </p:cNvPr>
+            <p:cNvPicPr>
+              <a:picLocks noChangeAspect="1" noChangeArrowheads="1"/>
+            </p:cNvPicPr>
+            <p:nvPr/>
+          </p:nvPicPr>
+          <p:blipFill>
+            <a:blip r:embed="rId8">
+              <a:extLst>
+                <a:ext uri="{96DAC541-7B7A-43D3-8B79-37D633B846F1}">
+                  <asvg:svgBlip xmlns:asvg="http://schemas.microsoft.com/office/drawing/2016/SVG/main" r:embed="rId9"/>
+                </a:ext>
+              </a:extLst>
+            </a:blip>
+            <a:srcRect/>
+            <a:stretch/>
+          </p:blipFill>
+          <p:spPr bwMode="auto">
+            <a:xfrm>
+              <a:off x="3860821" y="6956922"/>
+              <a:ext cx="360000" cy="360000"/>
+            </a:xfrm>
+            <a:prstGeom prst="rect">
+              <a:avLst/>
+            </a:prstGeom>
+            <a:noFill/>
+            <a:ln>
+              <a:noFill/>
+            </a:ln>
+            <a:extLst>
+              <a:ext uri="{909E8E84-426E-40DD-AFC4-6F175D3DCCD1}">
+                <a14:hiddenFill xmlns:a14="http://schemas.microsoft.com/office/drawing/2010/main">
+                  <a:solidFill>
+                    <a:srgbClr val="FFFFFF"/>
+                  </a:solidFill>
+                </a14:hiddenFill>
+              </a:ext>
+              <a:ext uri="{91240B29-F687-4F45-9708-019B960494DF}">
+                <a14:hiddenLine xmlns:a14="http://schemas.microsoft.com/office/drawing/2010/main" w="9525">
+                  <a:solidFill>
+                    <a:srgbClr val="000000"/>
+                  </a:solidFill>
+                  <a:miter lim="800000"/>
+                  <a:headEnd/>
+                  <a:tailEnd/>
+                </a14:hiddenLine>
+              </a:ext>
+            </a:extLst>
+          </p:spPr>
+        </p:pic>
+      </p:grpSp>
+      <p:sp>
+        <p:nvSpPr>
+          <p:cNvPr id="23" name="TextBox 22">
+            <a:extLst>
+              <a:ext uri="{FF2B5EF4-FFF2-40B4-BE49-F238E27FC236}">
+                <a16:creationId xmlns:a16="http://schemas.microsoft.com/office/drawing/2014/main" id="{E7B4B767-4DD1-59C2-44F3-82C59BD7386B}"/>
+              </a:ext>
+            </a:extLst>
+          </p:cNvPr>
+          <p:cNvSpPr txBox="1"/>
+          <p:nvPr/>
+        </p:nvSpPr>
+        <p:spPr>
+          <a:xfrm>
+            <a:off x="4250805" y="4456071"/>
+            <a:ext cx="1217056" cy="400110"/>
+          </a:xfrm>
+          <a:prstGeom prst="rect">
+            <a:avLst/>
+          </a:prstGeom>
+          <a:noFill/>
+        </p:spPr>
+        <p:txBody>
+          <a:bodyPr wrap="square" rtlCol="0">
+            <a:spAutoFit/>
+          </a:bodyPr>
+          <a:lstStyle/>
+          <a:p>
+            <a:pPr algn="ctr"/>
+            <a:r>
+              <a:rPr lang="en-US" sz="1000" dirty="0"/>
+              <a:t>Purpose Build Database</a:t>
+            </a:r>
+          </a:p>
+        </p:txBody>
+      </p:sp>
+      <p:sp>
+        <p:nvSpPr>
+          <p:cNvPr id="24" name="TextBox 23">
+            <a:extLst>
+              <a:ext uri="{FF2B5EF4-FFF2-40B4-BE49-F238E27FC236}">
+                <a16:creationId xmlns:a16="http://schemas.microsoft.com/office/drawing/2014/main" id="{C3BE5A7D-E778-09B2-49DD-C14C20B7F300}"/>
+              </a:ext>
+            </a:extLst>
+          </p:cNvPr>
+          <p:cNvSpPr txBox="1"/>
+          <p:nvPr/>
+        </p:nvSpPr>
+        <p:spPr>
+          <a:xfrm>
+            <a:off x="5616167" y="2420673"/>
+            <a:ext cx="1217056" cy="400110"/>
+          </a:xfrm>
+          <a:prstGeom prst="rect">
+            <a:avLst/>
+          </a:prstGeom>
+          <a:noFill/>
+        </p:spPr>
+        <p:txBody>
+          <a:bodyPr wrap="square" rtlCol="0">
+            <a:spAutoFit/>
+          </a:bodyPr>
+          <a:lstStyle/>
+          <a:p>
+            <a:pPr algn="ctr"/>
+            <a:r>
+              <a:rPr lang="en-US" sz="1000" dirty="0"/>
+              <a:t>AWS Glue Data catalogue</a:t>
+            </a:r>
+          </a:p>
+        </p:txBody>
+      </p:sp>
+      <p:sp>
+        <p:nvSpPr>
+          <p:cNvPr id="26" name="TextBox 25">
+            <a:extLst>
+              <a:ext uri="{FF2B5EF4-FFF2-40B4-BE49-F238E27FC236}">
+                <a16:creationId xmlns:a16="http://schemas.microsoft.com/office/drawing/2014/main" id="{ECBE0F91-7CCF-CD44-2473-4066D9D0D72A}"/>
+              </a:ext>
+            </a:extLst>
+          </p:cNvPr>
+          <p:cNvSpPr txBox="1"/>
+          <p:nvPr/>
+        </p:nvSpPr>
+        <p:spPr>
+          <a:xfrm>
+            <a:off x="2699497" y="4344644"/>
+            <a:ext cx="1217056" cy="246221"/>
+          </a:xfrm>
+          <a:prstGeom prst="rect">
+            <a:avLst/>
+          </a:prstGeom>
+          <a:noFill/>
+        </p:spPr>
+        <p:txBody>
+          <a:bodyPr wrap="square" rtlCol="0">
+            <a:spAutoFit/>
+          </a:bodyPr>
+          <a:lstStyle/>
+          <a:p>
+            <a:pPr algn="ctr"/>
+            <a:r>
+              <a:rPr lang="en-US" sz="1000" dirty="0"/>
+              <a:t>Data Loader</a:t>
+            </a:r>
+          </a:p>
+        </p:txBody>
+      </p:sp>
+      <p:sp>
+        <p:nvSpPr>
+          <p:cNvPr id="27" name="Rectangle 26">
+            <a:extLst>
+              <a:ext uri="{FF2B5EF4-FFF2-40B4-BE49-F238E27FC236}">
+                <a16:creationId xmlns:a16="http://schemas.microsoft.com/office/drawing/2014/main" id="{35495F86-F86A-B9B8-1B75-E4B38E5F1FB1}"/>
+              </a:ext>
+            </a:extLst>
+          </p:cNvPr>
+          <p:cNvSpPr/>
+          <p:nvPr/>
+        </p:nvSpPr>
+        <p:spPr>
+          <a:xfrm>
+            <a:off x="2633913" y="1547717"/>
+            <a:ext cx="4199310" cy="3344213"/>
+          </a:xfrm>
+          <a:prstGeom prst="rect">
+            <a:avLst/>
+          </a:prstGeom>
+          <a:noFill/>
+          <a:ln>
+            <a:solidFill>
+              <a:schemeClr val="tx1"/>
+            </a:solidFill>
+          </a:ln>
+        </p:spPr>
+        <p:style>
+          <a:lnRef idx="2">
+            <a:schemeClr val="accent1">
+              <a:shade val="50000"/>
+            </a:schemeClr>
+          </a:lnRef>
+          <a:fillRef idx="1">
+            <a:schemeClr val="accent1"/>
+          </a:fillRef>
+          <a:effectRef idx="0">
+            <a:schemeClr val="accent1"/>
+          </a:effectRef>
+          <a:fontRef idx="minor">
+            <a:schemeClr val="lt1"/>
+          </a:fontRef>
+        </p:style>
+        <p:txBody>
+          <a:bodyPr rtlCol="0" anchor="t" anchorCtr="0"/>
+          <a:lstStyle/>
+          <a:p>
+            <a:endParaRPr lang="en-US" sz="1100" dirty="0"/>
+          </a:p>
+        </p:txBody>
+      </p:sp>
+      <p:pic>
+        <p:nvPicPr>
+          <p:cNvPr id="28" name="Graphic 11">
+            <a:extLst>
+              <a:ext uri="{FF2B5EF4-FFF2-40B4-BE49-F238E27FC236}">
+                <a16:creationId xmlns:a16="http://schemas.microsoft.com/office/drawing/2014/main" id="{212A0E70-26A5-30A7-2544-6F52F559D03F}"/>
+              </a:ext>
+            </a:extLst>
+          </p:cNvPr>
+          <p:cNvPicPr>
+            <a:picLocks noChangeAspect="1"/>
+          </p:cNvPicPr>
+          <p:nvPr/>
+        </p:nvPicPr>
+        <p:blipFill>
+          <a:blip r:embed="rId10"/>
+          <a:stretch>
+            <a:fillRect/>
+          </a:stretch>
+        </p:blipFill>
+        <p:spPr bwMode="auto">
+          <a:xfrm>
+            <a:off x="2636014" y="1549857"/>
+            <a:ext cx="277812" cy="277812"/>
+          </a:xfrm>
+          <a:prstGeom prst="rect">
+            <a:avLst/>
+          </a:prstGeom>
+        </p:spPr>
+      </p:pic>
+    </p:spTree>
+    <p:extLst>
+      <p:ext uri="{BB962C8B-B14F-4D97-AF65-F5344CB8AC3E}">
+        <p14:creationId xmlns:p14="http://schemas.microsoft.com/office/powerpoint/2010/main" val="756906262"/>
       </p:ext>
     </p:extLst>
   </p:cSld>
